--- a/content/aulas/20-sdf/aula20_sdf.pptx
+++ b/content/aulas/20-sdf/aula20_sdf.pptx
@@ -11,20 +11,20 @@
     <p:sldId id="256" r:id="rId2"/>
     <p:sldId id="295" r:id="rId3"/>
     <p:sldId id="269" r:id="rId4"/>
-    <p:sldId id="271" r:id="rId5"/>
-    <p:sldId id="307" r:id="rId6"/>
-    <p:sldId id="308" r:id="rId7"/>
-    <p:sldId id="309" r:id="rId8"/>
-    <p:sldId id="313" r:id="rId9"/>
-    <p:sldId id="314" r:id="rId10"/>
-    <p:sldId id="310" r:id="rId11"/>
-    <p:sldId id="311" r:id="rId12"/>
-    <p:sldId id="312" r:id="rId13"/>
-    <p:sldId id="315" r:id="rId14"/>
-    <p:sldId id="316" r:id="rId15"/>
-    <p:sldId id="317" r:id="rId16"/>
-    <p:sldId id="326" r:id="rId17"/>
-    <p:sldId id="272" r:id="rId18"/>
+    <p:sldId id="307" r:id="rId5"/>
+    <p:sldId id="308" r:id="rId6"/>
+    <p:sldId id="309" r:id="rId7"/>
+    <p:sldId id="313" r:id="rId8"/>
+    <p:sldId id="314" r:id="rId9"/>
+    <p:sldId id="310" r:id="rId10"/>
+    <p:sldId id="311" r:id="rId11"/>
+    <p:sldId id="312" r:id="rId12"/>
+    <p:sldId id="315" r:id="rId13"/>
+    <p:sldId id="316" r:id="rId14"/>
+    <p:sldId id="317" r:id="rId15"/>
+    <p:sldId id="326" r:id="rId16"/>
+    <p:sldId id="272" r:id="rId17"/>
+    <p:sldId id="271" r:id="rId18"/>
     <p:sldId id="320" r:id="rId19"/>
     <p:sldId id="319" r:id="rId20"/>
     <p:sldId id="273" r:id="rId21"/>
@@ -2136,7 +2136,7 @@
                 <a:cs typeface="Arial"/>
                 <a:sym typeface="Arial"/>
               </a:rPr>
-              <a:t>5</a:t>
+              <a:t>4</a:t>
             </a:fld>
             <a:endParaRPr lang="pt-BR" sz="1200" b="0" i="0" u="none" strike="noStrike" cap="none">
               <a:solidFill>
@@ -2245,7 +2245,7 @@
                 <a:cs typeface="Arial"/>
                 <a:sym typeface="Arial"/>
               </a:rPr>
-              <a:t>6</a:t>
+              <a:t>5</a:t>
             </a:fld>
             <a:endParaRPr lang="pt-BR" sz="1200" b="0" i="0" u="none" strike="noStrike" cap="none">
               <a:solidFill>
@@ -2354,7 +2354,7 @@
                 <a:cs typeface="Arial"/>
                 <a:sym typeface="Arial"/>
               </a:rPr>
-              <a:t>7</a:t>
+              <a:t>6</a:t>
             </a:fld>
             <a:endParaRPr lang="pt-BR" sz="1200" b="0" i="0" u="none" strike="noStrike" cap="none">
               <a:solidFill>
@@ -2463,7 +2463,7 @@
                 <a:cs typeface="Arial"/>
                 <a:sym typeface="Arial"/>
               </a:rPr>
-              <a:t>17</a:t>
+              <a:t>16</a:t>
             </a:fld>
             <a:endParaRPr lang="pt-BR" sz="1200" b="0" i="0" u="none" strike="noStrike" cap="none">
               <a:solidFill>
@@ -6539,8 +6539,8 @@
         </p:nvSpPr>
         <p:spPr>
           <a:xfrm>
-            <a:off x="390548" y="838985"/>
-            <a:ext cx="8579716" cy="4496159"/>
+            <a:off x="539258" y="4932325"/>
+            <a:ext cx="4187952" cy="603877"/>
           </a:xfrm>
         </p:spPr>
         <p:txBody>
@@ -6549,45 +6549,7 @@
           <a:p>
             <a:r>
               <a:rPr lang="pt-BR" dirty="0"/>
-              <a:t>Podemos especificar se as variáveis são para a entrada de dados, ou saída de dados. Isso é importante para pode exemplo passar o valor de um </a:t>
-            </a:r>
-            <a:r>
-              <a:rPr lang="pt-BR" dirty="0" err="1"/>
-              <a:t>shader</a:t>
-            </a:r>
-            <a:r>
-              <a:rPr lang="pt-BR" dirty="0"/>
-              <a:t> no pipeline para outro.</a:t>
-            </a:r>
-          </a:p>
-          <a:p>
-            <a:r>
-              <a:rPr lang="pt-BR" dirty="0"/>
-              <a:t>Pode ser usado para receber os dados dos vértices (</a:t>
-            </a:r>
-            <a:r>
-              <a:rPr lang="pt-BR" dirty="0" err="1"/>
-              <a:t>vertex</a:t>
-            </a:r>
-            <a:r>
-              <a:rPr lang="pt-BR" dirty="0"/>
-              <a:t> </a:t>
-            </a:r>
-            <a:r>
-              <a:rPr lang="pt-BR" dirty="0" err="1"/>
-              <a:t>shader</a:t>
-            </a:r>
-            <a:r>
-              <a:rPr lang="pt-BR" dirty="0"/>
-              <a:t>) ou para definir o valor da cor final do pixel (fragmente </a:t>
-            </a:r>
-            <a:r>
-              <a:rPr lang="pt-BR" dirty="0" err="1"/>
-              <a:t>shader</a:t>
-            </a:r>
-            <a:r>
-              <a:rPr lang="pt-BR" dirty="0"/>
-              <a:t>)</a:t>
+              <a:t>Qual seria o resultado?</a:t>
             </a:r>
           </a:p>
         </p:txBody>
@@ -6625,335 +6587,6 @@
             <a:fld id="{00000000-1234-1234-1234-123412341234}" type="slidenum">
               <a:rPr lang="pt-BR" smtClean="0"/>
               <a:t>10</a:t>
-            </a:fld>
-            <a:endParaRPr lang="pt-BR"/>
-          </a:p>
-        </p:txBody>
-      </p:sp>
-      <p:sp>
-        <p:nvSpPr>
-          <p:cNvPr id="5" name="TextBox 4">
-            <a:extLst>
-              <a:ext uri="{FF2B5EF4-FFF2-40B4-BE49-F238E27FC236}">
-                <a16:creationId xmlns:a16="http://schemas.microsoft.com/office/drawing/2014/main" id="{08EDC8D5-52E6-A8D9-6A49-49A715BA0F91}"/>
-              </a:ext>
-            </a:extLst>
-          </p:cNvPr>
-          <p:cNvSpPr txBox="1"/>
-          <p:nvPr/>
-        </p:nvSpPr>
-        <p:spPr>
-          <a:xfrm>
-            <a:off x="1694890" y="3231914"/>
-            <a:ext cx="5971032" cy="1938992"/>
-          </a:xfrm>
-          <a:prstGeom prst="rect">
-            <a:avLst/>
-          </a:prstGeom>
-          <a:solidFill>
-            <a:schemeClr val="tx1">
-              <a:lumMod val="85000"/>
-              <a:lumOff val="15000"/>
-            </a:schemeClr>
-          </a:solidFill>
-        </p:spPr>
-        <p:txBody>
-          <a:bodyPr wrap="square">
-            <a:spAutoFit/>
-          </a:bodyPr>
-          <a:lstStyle/>
-          <a:p>
-            <a:r>
-              <a:rPr lang="en-US" sz="2000" b="0" i="0" noProof="1">
-                <a:solidFill>
-                  <a:srgbClr val="8CBBAD"/>
-                </a:solidFill>
-                <a:effectLst/>
-                <a:latin typeface="Courier New" panose="02070309020205020404" pitchFamily="49" charset="0"/>
-              </a:rPr>
-              <a:t>#version 330 core</a:t>
-            </a:r>
-            <a:endParaRPr lang="en-US" sz="2000" noProof="1">
-              <a:solidFill>
-                <a:srgbClr val="E0E2E4"/>
-              </a:solidFill>
-              <a:latin typeface="Courier New" panose="02070309020205020404" pitchFamily="49" charset="0"/>
-            </a:endParaRPr>
-          </a:p>
-          <a:p>
-            <a:r>
-              <a:rPr lang="en-US" sz="2000" b="1" i="0" noProof="1">
-                <a:solidFill>
-                  <a:srgbClr val="93C763"/>
-                </a:solidFill>
-                <a:effectLst/>
-                <a:latin typeface="Courier New" panose="02070309020205020404" pitchFamily="49" charset="0"/>
-              </a:rPr>
-              <a:t>in</a:t>
-            </a:r>
-            <a:r>
-              <a:rPr lang="en-US" sz="2000" b="0" i="0" noProof="1">
-                <a:solidFill>
-                  <a:srgbClr val="E0E2E4"/>
-                </a:solidFill>
-                <a:effectLst/>
-                <a:latin typeface="Courier New" panose="02070309020205020404" pitchFamily="49" charset="0"/>
-              </a:rPr>
-              <a:t> </a:t>
-            </a:r>
-            <a:r>
-              <a:rPr lang="en-US" sz="2000" b="0" i="0" noProof="1">
-                <a:solidFill>
-                  <a:srgbClr val="8CBBAD"/>
-                </a:solidFill>
-                <a:effectLst/>
-                <a:latin typeface="Courier New" panose="02070309020205020404" pitchFamily="49" charset="0"/>
-              </a:rPr>
-              <a:t>vec4</a:t>
-            </a:r>
-            <a:r>
-              <a:rPr lang="en-US" sz="2000" b="0" i="0" noProof="1">
-                <a:solidFill>
-                  <a:srgbClr val="E0E2E4"/>
-                </a:solidFill>
-                <a:effectLst/>
-                <a:latin typeface="Courier New" panose="02070309020205020404" pitchFamily="49" charset="0"/>
-              </a:rPr>
-              <a:t> vertexColor;</a:t>
-            </a:r>
-          </a:p>
-          <a:p>
-            <a:r>
-              <a:rPr lang="en-US" sz="2000" b="1" i="0" noProof="1">
-                <a:solidFill>
-                  <a:srgbClr val="93C763"/>
-                </a:solidFill>
-                <a:effectLst/>
-                <a:latin typeface="Courier New" panose="02070309020205020404" pitchFamily="49" charset="0"/>
-              </a:rPr>
-              <a:t>out</a:t>
-            </a:r>
-            <a:r>
-              <a:rPr lang="en-US" sz="2000" b="0" i="0" noProof="1">
-                <a:solidFill>
-                  <a:srgbClr val="E0E2E4"/>
-                </a:solidFill>
-                <a:effectLst/>
-                <a:latin typeface="Courier New" panose="02070309020205020404" pitchFamily="49" charset="0"/>
-              </a:rPr>
-              <a:t> </a:t>
-            </a:r>
-            <a:r>
-              <a:rPr lang="en-US" sz="2000" b="0" i="0" noProof="1">
-                <a:solidFill>
-                  <a:srgbClr val="8CBBAD"/>
-                </a:solidFill>
-                <a:effectLst/>
-                <a:latin typeface="Courier New" panose="02070309020205020404" pitchFamily="49" charset="0"/>
-              </a:rPr>
-              <a:t>vec4</a:t>
-            </a:r>
-            <a:r>
-              <a:rPr lang="en-US" sz="2000" b="0" i="0" noProof="1">
-                <a:solidFill>
-                  <a:srgbClr val="E0E2E4"/>
-                </a:solidFill>
-                <a:effectLst/>
-                <a:latin typeface="Courier New" panose="02070309020205020404" pitchFamily="49" charset="0"/>
-              </a:rPr>
-              <a:t> FragColor;</a:t>
-            </a:r>
-          </a:p>
-          <a:p>
-            <a:r>
-              <a:rPr lang="en-US" sz="2000" b="1" i="0" noProof="1">
-                <a:solidFill>
-                  <a:srgbClr val="93C763"/>
-                </a:solidFill>
-                <a:effectLst/>
-                <a:latin typeface="Courier New" panose="02070309020205020404" pitchFamily="49" charset="0"/>
-              </a:rPr>
-              <a:t>void</a:t>
-            </a:r>
-            <a:r>
-              <a:rPr lang="en-US" sz="2000" b="0" i="0" noProof="1">
-                <a:solidFill>
-                  <a:srgbClr val="E0E2E4"/>
-                </a:solidFill>
-                <a:effectLst/>
-                <a:latin typeface="Courier New" panose="02070309020205020404" pitchFamily="49" charset="0"/>
-              </a:rPr>
-              <a:t> main() { </a:t>
-            </a:r>
-          </a:p>
-          <a:p>
-            <a:r>
-              <a:rPr lang="en-US" sz="2000" noProof="1">
-                <a:solidFill>
-                  <a:srgbClr val="E0E2E4"/>
-                </a:solidFill>
-                <a:latin typeface="Courier New" panose="02070309020205020404" pitchFamily="49" charset="0"/>
-              </a:rPr>
-              <a:t>    </a:t>
-            </a:r>
-            <a:r>
-              <a:rPr lang="en-US" sz="2000" b="0" i="0" noProof="1">
-                <a:solidFill>
-                  <a:srgbClr val="E0E2E4"/>
-                </a:solidFill>
-                <a:effectLst/>
-                <a:latin typeface="Courier New" panose="02070309020205020404" pitchFamily="49" charset="0"/>
-              </a:rPr>
-              <a:t>FragColor = vertexColor;</a:t>
-            </a:r>
-          </a:p>
-          <a:p>
-            <a:r>
-              <a:rPr lang="en-US" sz="2000" noProof="1">
-                <a:solidFill>
-                  <a:srgbClr val="E0E2E4"/>
-                </a:solidFill>
-                <a:latin typeface="Courier New" panose="02070309020205020404" pitchFamily="49" charset="0"/>
-              </a:rPr>
-              <a:t>}</a:t>
-            </a:r>
-            <a:endParaRPr lang="en-US" sz="1600" noProof="1">
-              <a:solidFill>
-                <a:schemeClr val="bg1"/>
-              </a:solidFill>
-            </a:endParaRPr>
-          </a:p>
-        </p:txBody>
-      </p:sp>
-    </p:spTree>
-    <p:extLst>
-      <p:ext uri="{BB962C8B-B14F-4D97-AF65-F5344CB8AC3E}">
-        <p14:creationId xmlns:p14="http://schemas.microsoft.com/office/powerpoint/2010/main" val="4207393658"/>
-      </p:ext>
-    </p:extLst>
-  </p:cSld>
-  <p:clrMapOvr>
-    <a:masterClrMapping/>
-  </p:clrMapOvr>
-</p:sld>
-</file>
-
-<file path=ppt/slides/slide11.xml><?xml version="1.0" encoding="utf-8"?>
-<p:sld xmlns:a="http://schemas.openxmlformats.org/drawingml/2006/main" xmlns:r="http://schemas.openxmlformats.org/officeDocument/2006/relationships" xmlns:p="http://schemas.openxmlformats.org/presentationml/2006/main">
-  <p:cSld>
-    <p:spTree>
-      <p:nvGrpSpPr>
-        <p:cNvPr id="1" name=""/>
-        <p:cNvGrpSpPr/>
-        <p:nvPr/>
-      </p:nvGrpSpPr>
-      <p:grpSpPr>
-        <a:xfrm>
-          <a:off x="0" y="0"/>
-          <a:ext cx="0" cy="0"/>
-          <a:chOff x="0" y="0"/>
-          <a:chExt cx="0" cy="0"/>
-        </a:xfrm>
-      </p:grpSpPr>
-      <p:sp>
-        <p:nvSpPr>
-          <p:cNvPr id="2" name="Title 1">
-            <a:extLst>
-              <a:ext uri="{FF2B5EF4-FFF2-40B4-BE49-F238E27FC236}">
-                <a16:creationId xmlns:a16="http://schemas.microsoft.com/office/drawing/2014/main" id="{4CA6113F-3910-0668-C031-6645CEEC9DDA}"/>
-              </a:ext>
-            </a:extLst>
-          </p:cNvPr>
-          <p:cNvSpPr>
-            <a:spLocks noGrp="1"/>
-          </p:cNvSpPr>
-          <p:nvPr>
-            <p:ph type="title"/>
-          </p:nvPr>
-        </p:nvSpPr>
-        <p:spPr/>
-        <p:txBody>
-          <a:bodyPr/>
-          <a:lstStyle/>
-          <a:p>
-            <a:r>
-              <a:rPr lang="pt-BR" dirty="0"/>
-              <a:t>In e </a:t>
-            </a:r>
-            <a:r>
-              <a:rPr lang="pt-BR" dirty="0" err="1"/>
-              <a:t>Outs</a:t>
-            </a:r>
-            <a:endParaRPr lang="pt-BR" dirty="0"/>
-          </a:p>
-        </p:txBody>
-      </p:sp>
-      <p:sp>
-        <p:nvSpPr>
-          <p:cNvPr id="3" name="Text Placeholder 2">
-            <a:extLst>
-              <a:ext uri="{FF2B5EF4-FFF2-40B4-BE49-F238E27FC236}">
-                <a16:creationId xmlns:a16="http://schemas.microsoft.com/office/drawing/2014/main" id="{5CDCE2A7-8A77-25D3-E0B2-4CB4719BC85A}"/>
-              </a:ext>
-            </a:extLst>
-          </p:cNvPr>
-          <p:cNvSpPr>
-            <a:spLocks noGrp="1"/>
-          </p:cNvSpPr>
-          <p:nvPr>
-            <p:ph type="body" idx="1"/>
-          </p:nvPr>
-        </p:nvSpPr>
-        <p:spPr>
-          <a:xfrm>
-            <a:off x="539258" y="4932325"/>
-            <a:ext cx="4187952" cy="603877"/>
-          </a:xfrm>
-        </p:spPr>
-        <p:txBody>
-          <a:bodyPr/>
-          <a:lstStyle/>
-          <a:p>
-            <a:r>
-              <a:rPr lang="pt-BR" dirty="0"/>
-              <a:t>Qual seria o resultado?</a:t>
-            </a:r>
-          </a:p>
-        </p:txBody>
-      </p:sp>
-      <p:sp>
-        <p:nvSpPr>
-          <p:cNvPr id="4" name="Slide Number Placeholder 3">
-            <a:extLst>
-              <a:ext uri="{FF2B5EF4-FFF2-40B4-BE49-F238E27FC236}">
-                <a16:creationId xmlns:a16="http://schemas.microsoft.com/office/drawing/2014/main" id="{B7C57D2B-BAD0-9632-E3E6-4587F91F63C7}"/>
-              </a:ext>
-            </a:extLst>
-          </p:cNvPr>
-          <p:cNvSpPr>
-            <a:spLocks noGrp="1"/>
-          </p:cNvSpPr>
-          <p:nvPr>
-            <p:ph type="sldNum" idx="12"/>
-          </p:nvPr>
-        </p:nvSpPr>
-        <p:spPr/>
-        <p:txBody>
-          <a:bodyPr/>
-          <a:lstStyle/>
-          <a:p>
-            <a:pPr marL="0" lvl="0" indent="0" algn="ctr" rtl="0">
-              <a:spcBef>
-                <a:spcPts val="0"/>
-              </a:spcBef>
-              <a:spcAft>
-                <a:spcPts val="0"/>
-              </a:spcAft>
-              <a:buNone/>
-            </a:pPr>
-            <a:fld id="{00000000-1234-1234-1234-123412341234}" type="slidenum">
-              <a:rPr lang="pt-BR" smtClean="0"/>
-              <a:t>11</a:t>
             </a:fld>
             <a:endParaRPr lang="pt-BR"/>
           </a:p>
@@ -7523,7 +7156,7 @@
 </p:sld>
 </file>
 
-<file path=ppt/slides/slide12.xml><?xml version="1.0" encoding="utf-8"?>
+<file path=ppt/slides/slide11.xml><?xml version="1.0" encoding="utf-8"?>
 <p:sld xmlns:a="http://schemas.openxmlformats.org/drawingml/2006/main" xmlns:r="http://schemas.openxmlformats.org/officeDocument/2006/relationships" xmlns:p="http://schemas.openxmlformats.org/presentationml/2006/main">
   <p:cSld>
     <p:spTree>
@@ -7638,7 +7271,7 @@
             </a:pPr>
             <a:fld id="{00000000-1234-1234-1234-123412341234}" type="slidenum">
               <a:rPr lang="pt-BR" smtClean="0"/>
-              <a:t>12</a:t>
+              <a:t>11</a:t>
             </a:fld>
             <a:endParaRPr lang="pt-BR"/>
           </a:p>
@@ -8249,6 +7882,271 @@
 </p:sld>
 </file>
 
+<file path=ppt/slides/slide12.xml><?xml version="1.0" encoding="utf-8"?>
+<p:sld xmlns:a="http://schemas.openxmlformats.org/drawingml/2006/main" xmlns:r="http://schemas.openxmlformats.org/officeDocument/2006/relationships" xmlns:p="http://schemas.openxmlformats.org/presentationml/2006/main">
+  <p:cSld>
+    <p:spTree>
+      <p:nvGrpSpPr>
+        <p:cNvPr id="1" name=""/>
+        <p:cNvGrpSpPr/>
+        <p:nvPr/>
+      </p:nvGrpSpPr>
+      <p:grpSpPr>
+        <a:xfrm>
+          <a:off x="0" y="0"/>
+          <a:ext cx="0" cy="0"/>
+          <a:chOff x="0" y="0"/>
+          <a:chExt cx="0" cy="0"/>
+        </a:xfrm>
+      </p:grpSpPr>
+      <p:sp>
+        <p:nvSpPr>
+          <p:cNvPr id="2" name="Title 1">
+            <a:extLst>
+              <a:ext uri="{FF2B5EF4-FFF2-40B4-BE49-F238E27FC236}">
+                <a16:creationId xmlns:a16="http://schemas.microsoft.com/office/drawing/2014/main" id="{21090624-0AB2-EB9F-5784-0B50359469D2}"/>
+              </a:ext>
+            </a:extLst>
+          </p:cNvPr>
+          <p:cNvSpPr>
+            <a:spLocks noGrp="1"/>
+          </p:cNvSpPr>
+          <p:nvPr>
+            <p:ph type="title"/>
+          </p:nvPr>
+        </p:nvSpPr>
+        <p:spPr/>
+        <p:txBody>
+          <a:bodyPr/>
+          <a:lstStyle/>
+          <a:p>
+            <a:r>
+              <a:rPr lang="pt-BR" dirty="0"/>
+              <a:t>Variáveis </a:t>
+            </a:r>
+            <a:r>
+              <a:rPr lang="pt-BR" dirty="0" err="1"/>
+              <a:t>Built</a:t>
+            </a:r>
+            <a:r>
+              <a:rPr lang="pt-BR" dirty="0"/>
+              <a:t>-in</a:t>
+            </a:r>
+          </a:p>
+        </p:txBody>
+      </p:sp>
+      <p:sp>
+        <p:nvSpPr>
+          <p:cNvPr id="3" name="Text Placeholder 2">
+            <a:extLst>
+              <a:ext uri="{FF2B5EF4-FFF2-40B4-BE49-F238E27FC236}">
+                <a16:creationId xmlns:a16="http://schemas.microsoft.com/office/drawing/2014/main" id="{5DC76202-5A75-438F-765B-1FD9EC4E53BE}"/>
+              </a:ext>
+            </a:extLst>
+          </p:cNvPr>
+          <p:cNvSpPr>
+            <a:spLocks noGrp="1"/>
+          </p:cNvSpPr>
+          <p:nvPr>
+            <p:ph type="body" idx="1"/>
+          </p:nvPr>
+        </p:nvSpPr>
+        <p:spPr/>
+        <p:txBody>
+          <a:bodyPr>
+            <a:normAutofit/>
+          </a:bodyPr>
+          <a:lstStyle/>
+          <a:p>
+            <a:r>
+              <a:rPr lang="pt-BR" sz="1800" b="1" dirty="0" err="1"/>
+              <a:t>Vertex</a:t>
+            </a:r>
+            <a:r>
+              <a:rPr lang="pt-BR" sz="1800" b="1" dirty="0"/>
+              <a:t> </a:t>
+            </a:r>
+            <a:r>
+              <a:rPr lang="pt-BR" sz="1800" b="1" dirty="0" err="1"/>
+              <a:t>Shader</a:t>
+            </a:r>
+            <a:r>
+              <a:rPr lang="pt-BR" sz="1800" b="1" dirty="0"/>
+              <a:t>:</a:t>
+            </a:r>
+          </a:p>
+          <a:p>
+            <a:r>
+              <a:rPr lang="pt-BR" sz="1800" dirty="0"/>
+              <a:t>Saída:</a:t>
+            </a:r>
+          </a:p>
+          <a:p>
+            <a:pPr marL="571500" indent="-342900">
+              <a:buFont typeface="Arial" panose="020B0604020202020204" pitchFamily="34" charset="0"/>
+              <a:buChar char="•"/>
+            </a:pPr>
+            <a:r>
+              <a:rPr lang="en-US" sz="1800" dirty="0" err="1"/>
+              <a:t>gl_Position</a:t>
+            </a:r>
+            <a:r>
+              <a:rPr lang="en-US" sz="1800" dirty="0"/>
+              <a:t> (vec4)</a:t>
+            </a:r>
+          </a:p>
+          <a:p>
+            <a:pPr marL="571500" indent="-342900">
+              <a:buFont typeface="Arial" panose="020B0604020202020204" pitchFamily="34" charset="0"/>
+              <a:buChar char="•"/>
+            </a:pPr>
+            <a:r>
+              <a:rPr lang="en-US" sz="1800" dirty="0" err="1"/>
+              <a:t>gl_Position</a:t>
+            </a:r>
+            <a:r>
+              <a:rPr lang="en-US" sz="1800" dirty="0"/>
+              <a:t> (int)</a:t>
+            </a:r>
+          </a:p>
+          <a:p>
+            <a:endParaRPr lang="en-US" sz="1800" dirty="0"/>
+          </a:p>
+          <a:p>
+            <a:r>
+              <a:rPr lang="en-US" sz="1800" b="1" dirty="0"/>
+              <a:t>Fragment Shader:</a:t>
+            </a:r>
+          </a:p>
+          <a:p>
+            <a:r>
+              <a:rPr lang="en-US" sz="1800" dirty="0"/>
+              <a:t>Entrada:</a:t>
+            </a:r>
+          </a:p>
+          <a:p>
+            <a:pPr marL="571500" indent="-342900">
+              <a:buFont typeface="Arial" panose="020B0604020202020204" pitchFamily="34" charset="0"/>
+              <a:buChar char="•"/>
+            </a:pPr>
+            <a:r>
+              <a:rPr lang="en-US" sz="1800" dirty="0" err="1"/>
+              <a:t>gl_FragCoord</a:t>
+            </a:r>
+            <a:r>
+              <a:rPr lang="en-US" sz="1800" dirty="0"/>
+              <a:t> (vec4)</a:t>
+            </a:r>
+          </a:p>
+          <a:p>
+            <a:pPr marL="571500" indent="-342900">
+              <a:buFont typeface="Arial" panose="020B0604020202020204" pitchFamily="34" charset="0"/>
+              <a:buChar char="•"/>
+            </a:pPr>
+            <a:r>
+              <a:rPr lang="en-US" sz="1800" dirty="0" err="1"/>
+              <a:t>gl_FrontFacing</a:t>
+            </a:r>
+            <a:r>
+              <a:rPr lang="en-US" sz="1800" dirty="0"/>
+              <a:t> (bool)</a:t>
+            </a:r>
+          </a:p>
+          <a:p>
+            <a:pPr marL="571500" indent="-342900">
+              <a:buFont typeface="Arial" panose="020B0604020202020204" pitchFamily="34" charset="0"/>
+              <a:buChar char="•"/>
+            </a:pPr>
+            <a:r>
+              <a:rPr lang="en-US" sz="1800" dirty="0" err="1"/>
+              <a:t>gl_PointCoord</a:t>
+            </a:r>
+            <a:r>
+              <a:rPr lang="en-US" sz="1800" dirty="0"/>
+              <a:t> (vec2)</a:t>
+            </a:r>
+          </a:p>
+          <a:p>
+            <a:endParaRPr lang="en-US" sz="1800" dirty="0"/>
+          </a:p>
+          <a:p>
+            <a:r>
+              <a:rPr lang="en-US" sz="1800" dirty="0" err="1"/>
+              <a:t>Saída</a:t>
+            </a:r>
+            <a:r>
+              <a:rPr lang="en-US" sz="1800" dirty="0"/>
+              <a:t>:</a:t>
+            </a:r>
+          </a:p>
+          <a:p>
+            <a:pPr marL="571500" indent="-342900">
+              <a:buFont typeface="Arial" panose="020B0604020202020204" pitchFamily="34" charset="0"/>
+              <a:buChar char="•"/>
+            </a:pPr>
+            <a:r>
+              <a:rPr lang="en-US" sz="1800" dirty="0" err="1"/>
+              <a:t>gl_FragColor</a:t>
+            </a:r>
+            <a:r>
+              <a:rPr lang="en-US" sz="1800" dirty="0"/>
+              <a:t> (vec4)</a:t>
+            </a:r>
+            <a:endParaRPr lang="pt-BR" sz="1800" dirty="0"/>
+          </a:p>
+        </p:txBody>
+      </p:sp>
+      <p:sp>
+        <p:nvSpPr>
+          <p:cNvPr id="4" name="Slide Number Placeholder 3">
+            <a:extLst>
+              <a:ext uri="{FF2B5EF4-FFF2-40B4-BE49-F238E27FC236}">
+                <a16:creationId xmlns:a16="http://schemas.microsoft.com/office/drawing/2014/main" id="{F068E8DC-E3FA-7DA2-1A6A-BD8B3E3D7670}"/>
+              </a:ext>
+            </a:extLst>
+          </p:cNvPr>
+          <p:cNvSpPr>
+            <a:spLocks noGrp="1"/>
+          </p:cNvSpPr>
+          <p:nvPr>
+            <p:ph type="sldNum" idx="12"/>
+          </p:nvPr>
+        </p:nvSpPr>
+        <p:spPr/>
+        <p:txBody>
+          <a:bodyPr/>
+          <a:lstStyle/>
+          <a:p>
+            <a:pPr marL="0" lvl="0" indent="0" algn="ctr" rtl="0">
+              <a:spcBef>
+                <a:spcPts val="0"/>
+              </a:spcBef>
+              <a:spcAft>
+                <a:spcPts val="0"/>
+              </a:spcAft>
+              <a:buNone/>
+            </a:pPr>
+            <a:fld id="{00000000-1234-1234-1234-123412341234}" type="slidenum">
+              <a:rPr lang="pt-BR" smtClean="0"/>
+              <a:t>12</a:t>
+            </a:fld>
+            <a:endParaRPr lang="pt-BR"/>
+          </a:p>
+        </p:txBody>
+      </p:sp>
+    </p:spTree>
+    <p:extLst>
+      <p:ext uri="{BB962C8B-B14F-4D97-AF65-F5344CB8AC3E}">
+        <p14:creationId xmlns:p14="http://schemas.microsoft.com/office/powerpoint/2010/main" val="1451703738"/>
+      </p:ext>
+    </p:extLst>
+  </p:cSld>
+  <p:clrMapOvr>
+    <a:masterClrMapping/>
+  </p:clrMapOvr>
+</p:sld>
+</file>
+
 <file path=ppt/slides/slide13.xml><?xml version="1.0" encoding="utf-8"?>
 <p:sld xmlns:a="http://schemas.openxmlformats.org/drawingml/2006/main" xmlns:r="http://schemas.openxmlformats.org/officeDocument/2006/relationships" xmlns:p="http://schemas.openxmlformats.org/presentationml/2006/main">
   <p:cSld>
@@ -8289,7 +8187,7 @@
           <a:p>
             <a:r>
               <a:rPr lang="pt-BR" dirty="0"/>
-              <a:t>Variáveis </a:t>
+              <a:t>Funções </a:t>
             </a:r>
             <a:r>
               <a:rPr lang="pt-BR" dirty="0" err="1"/>
@@ -8326,139 +8224,23 @@
           <a:lstStyle/>
           <a:p>
             <a:r>
-              <a:rPr lang="pt-BR" sz="1800" b="1" dirty="0" err="1"/>
-              <a:t>Vertex</a:t>
-            </a:r>
-            <a:r>
-              <a:rPr lang="pt-BR" sz="1800" b="1" dirty="0"/>
-              <a:t> </a:t>
-            </a:r>
-            <a:r>
-              <a:rPr lang="pt-BR" sz="1800" b="1" dirty="0" err="1"/>
-              <a:t>Shader</a:t>
-            </a:r>
-            <a:r>
-              <a:rPr lang="pt-BR" sz="1800" b="1" dirty="0"/>
-              <a:t>:</a:t>
-            </a:r>
-          </a:p>
-          <a:p>
-            <a:r>
               <a:rPr lang="pt-BR" sz="1800" dirty="0"/>
-              <a:t>Saída:</a:t>
-            </a:r>
-          </a:p>
-          <a:p>
-            <a:pPr marL="571500" indent="-342900">
-              <a:buFont typeface="Arial" panose="020B0604020202020204" pitchFamily="34" charset="0"/>
-              <a:buChar char="•"/>
-            </a:pPr>
-            <a:r>
-              <a:rPr lang="en-US" sz="1800" dirty="0" err="1"/>
-              <a:t>gl_Position</a:t>
-            </a:r>
-            <a:r>
-              <a:rPr lang="en-US" sz="1800" dirty="0"/>
-              <a:t> (vec4)</a:t>
-            </a:r>
-          </a:p>
-          <a:p>
-            <a:pPr marL="571500" indent="-342900">
-              <a:buFont typeface="Arial" panose="020B0604020202020204" pitchFamily="34" charset="0"/>
-              <a:buChar char="•"/>
-            </a:pPr>
-            <a:r>
-              <a:rPr lang="en-US" sz="1800" dirty="0" err="1"/>
-              <a:t>gl_Position</a:t>
-            </a:r>
-            <a:r>
-              <a:rPr lang="en-US" sz="1800" dirty="0"/>
-              <a:t> (int)</a:t>
-            </a:r>
-          </a:p>
-          <a:p>
-            <a:endParaRPr lang="en-US" sz="1800" dirty="0"/>
-          </a:p>
-          <a:p>
-            <a:r>
-              <a:rPr lang="en-US" sz="1800" b="1" dirty="0"/>
-              <a:t>Fragment Shader:</a:t>
-            </a:r>
-          </a:p>
-          <a:p>
-            <a:r>
-              <a:rPr lang="en-US" sz="1800" dirty="0"/>
-              <a:t>Entrada:</a:t>
-            </a:r>
-          </a:p>
-          <a:p>
-            <a:pPr marL="571500" indent="-342900">
-              <a:buFont typeface="Arial" panose="020B0604020202020204" pitchFamily="34" charset="0"/>
-              <a:buChar char="•"/>
-            </a:pPr>
-            <a:r>
-              <a:rPr lang="en-US" sz="1800" dirty="0" err="1"/>
-              <a:t>gl_FragCoord</a:t>
-            </a:r>
-            <a:r>
-              <a:rPr lang="en-US" sz="1800" dirty="0"/>
-              <a:t> (vec4)</a:t>
-            </a:r>
-          </a:p>
-          <a:p>
-            <a:pPr marL="571500" indent="-342900">
-              <a:buFont typeface="Arial" panose="020B0604020202020204" pitchFamily="34" charset="0"/>
-              <a:buChar char="•"/>
-            </a:pPr>
-            <a:r>
-              <a:rPr lang="en-US" sz="1800" dirty="0" err="1"/>
-              <a:t>gl_FrontFacing</a:t>
-            </a:r>
-            <a:r>
-              <a:rPr lang="en-US" sz="1800" dirty="0"/>
-              <a:t> (bool)</a:t>
-            </a:r>
-          </a:p>
-          <a:p>
-            <a:pPr marL="571500" indent="-342900">
-              <a:buFont typeface="Arial" panose="020B0604020202020204" pitchFamily="34" charset="0"/>
-              <a:buChar char="•"/>
-            </a:pPr>
-            <a:r>
-              <a:rPr lang="en-US" sz="1800" dirty="0" err="1"/>
-              <a:t>gl_PointCoord</a:t>
-            </a:r>
-            <a:r>
-              <a:rPr lang="en-US" sz="1800" dirty="0"/>
-              <a:t> (vec2)</a:t>
-            </a:r>
-          </a:p>
-          <a:p>
-            <a:endParaRPr lang="en-US" sz="1800" dirty="0"/>
-          </a:p>
-          <a:p>
-            <a:r>
-              <a:rPr lang="en-US" sz="1800" dirty="0" err="1"/>
-              <a:t>Saída</a:t>
-            </a:r>
-            <a:r>
-              <a:rPr lang="en-US" sz="1800" dirty="0"/>
-              <a:t>:</a:t>
-            </a:r>
-          </a:p>
-          <a:p>
-            <a:pPr marL="571500" indent="-342900">
-              <a:buFont typeface="Arial" panose="020B0604020202020204" pitchFamily="34" charset="0"/>
-              <a:buChar char="•"/>
-            </a:pPr>
-            <a:r>
-              <a:rPr lang="en-US" sz="1800" dirty="0" err="1"/>
-              <a:t>gl_FragColor</a:t>
-            </a:r>
-            <a:r>
-              <a:rPr lang="en-US" sz="1800" dirty="0"/>
-              <a:t> (vec4)</a:t>
-            </a:r>
+              <a:t>O GLSL possui vária funções nativas, a maioria delas funciona para um valor escalar ou um vetor.</a:t>
+            </a:r>
+          </a:p>
+          <a:p>
+            <a:r>
+              <a:rPr lang="pt-BR" sz="1800" dirty="0"/>
+              <a:t>Em geral as funções não funcionam para inteiros ou booleanos, assim pode ser necessário converter os valor.</a:t>
+            </a:r>
+          </a:p>
+          <a:p>
+            <a:r>
+              <a:rPr lang="pt-BR" sz="1800" dirty="0"/>
+              <a:t>Por exemplo, a função seno funciona com vários tipos:</a:t>
+            </a:r>
+          </a:p>
+          <a:p>
             <a:endParaRPr lang="pt-BR" sz="1800" dirty="0"/>
           </a:p>
         </p:txBody>
@@ -8496,155 +8278,6 @@
             <a:fld id="{00000000-1234-1234-1234-123412341234}" type="slidenum">
               <a:rPr lang="pt-BR" smtClean="0"/>
               <a:t>13</a:t>
-            </a:fld>
-            <a:endParaRPr lang="pt-BR"/>
-          </a:p>
-        </p:txBody>
-      </p:sp>
-    </p:spTree>
-    <p:extLst>
-      <p:ext uri="{BB962C8B-B14F-4D97-AF65-F5344CB8AC3E}">
-        <p14:creationId xmlns:p14="http://schemas.microsoft.com/office/powerpoint/2010/main" val="1451703738"/>
-      </p:ext>
-    </p:extLst>
-  </p:cSld>
-  <p:clrMapOvr>
-    <a:masterClrMapping/>
-  </p:clrMapOvr>
-</p:sld>
-</file>
-
-<file path=ppt/slides/slide14.xml><?xml version="1.0" encoding="utf-8"?>
-<p:sld xmlns:a="http://schemas.openxmlformats.org/drawingml/2006/main" xmlns:r="http://schemas.openxmlformats.org/officeDocument/2006/relationships" xmlns:p="http://schemas.openxmlformats.org/presentationml/2006/main">
-  <p:cSld>
-    <p:spTree>
-      <p:nvGrpSpPr>
-        <p:cNvPr id="1" name=""/>
-        <p:cNvGrpSpPr/>
-        <p:nvPr/>
-      </p:nvGrpSpPr>
-      <p:grpSpPr>
-        <a:xfrm>
-          <a:off x="0" y="0"/>
-          <a:ext cx="0" cy="0"/>
-          <a:chOff x="0" y="0"/>
-          <a:chExt cx="0" cy="0"/>
-        </a:xfrm>
-      </p:grpSpPr>
-      <p:sp>
-        <p:nvSpPr>
-          <p:cNvPr id="2" name="Title 1">
-            <a:extLst>
-              <a:ext uri="{FF2B5EF4-FFF2-40B4-BE49-F238E27FC236}">
-                <a16:creationId xmlns:a16="http://schemas.microsoft.com/office/drawing/2014/main" id="{21090624-0AB2-EB9F-5784-0B50359469D2}"/>
-              </a:ext>
-            </a:extLst>
-          </p:cNvPr>
-          <p:cNvSpPr>
-            <a:spLocks noGrp="1"/>
-          </p:cNvSpPr>
-          <p:nvPr>
-            <p:ph type="title"/>
-          </p:nvPr>
-        </p:nvSpPr>
-        <p:spPr/>
-        <p:txBody>
-          <a:bodyPr/>
-          <a:lstStyle/>
-          <a:p>
-            <a:r>
-              <a:rPr lang="pt-BR" dirty="0"/>
-              <a:t>Funções </a:t>
-            </a:r>
-            <a:r>
-              <a:rPr lang="pt-BR" dirty="0" err="1"/>
-              <a:t>Built</a:t>
-            </a:r>
-            <a:r>
-              <a:rPr lang="pt-BR" dirty="0"/>
-              <a:t>-in</a:t>
-            </a:r>
-          </a:p>
-        </p:txBody>
-      </p:sp>
-      <p:sp>
-        <p:nvSpPr>
-          <p:cNvPr id="3" name="Text Placeholder 2">
-            <a:extLst>
-              <a:ext uri="{FF2B5EF4-FFF2-40B4-BE49-F238E27FC236}">
-                <a16:creationId xmlns:a16="http://schemas.microsoft.com/office/drawing/2014/main" id="{5DC76202-5A75-438F-765B-1FD9EC4E53BE}"/>
-              </a:ext>
-            </a:extLst>
-          </p:cNvPr>
-          <p:cNvSpPr>
-            <a:spLocks noGrp="1"/>
-          </p:cNvSpPr>
-          <p:nvPr>
-            <p:ph type="body" idx="1"/>
-          </p:nvPr>
-        </p:nvSpPr>
-        <p:spPr/>
-        <p:txBody>
-          <a:bodyPr>
-            <a:normAutofit/>
-          </a:bodyPr>
-          <a:lstStyle/>
-          <a:p>
-            <a:r>
-              <a:rPr lang="pt-BR" sz="1800" dirty="0"/>
-              <a:t>O GLSL possui vária funções nativas, a maioria delas funciona para um valor escalar ou um vetor.</a:t>
-            </a:r>
-          </a:p>
-          <a:p>
-            <a:r>
-              <a:rPr lang="pt-BR" sz="1800" dirty="0"/>
-              <a:t>Em geral as funções não funcionam para inteiros ou booleanos, assim pode ser necessário converter os valor.</a:t>
-            </a:r>
-          </a:p>
-          <a:p>
-            <a:r>
-              <a:rPr lang="pt-BR" sz="1800" dirty="0"/>
-              <a:t>Por exemplo, a função seno funciona com vários tipos:</a:t>
-            </a:r>
-          </a:p>
-          <a:p>
-            <a:endParaRPr lang="pt-BR" sz="1800" dirty="0"/>
-          </a:p>
-        </p:txBody>
-      </p:sp>
-      <p:sp>
-        <p:nvSpPr>
-          <p:cNvPr id="4" name="Slide Number Placeholder 3">
-            <a:extLst>
-              <a:ext uri="{FF2B5EF4-FFF2-40B4-BE49-F238E27FC236}">
-                <a16:creationId xmlns:a16="http://schemas.microsoft.com/office/drawing/2014/main" id="{F068E8DC-E3FA-7DA2-1A6A-BD8B3E3D7670}"/>
-              </a:ext>
-            </a:extLst>
-          </p:cNvPr>
-          <p:cNvSpPr>
-            <a:spLocks noGrp="1"/>
-          </p:cNvSpPr>
-          <p:nvPr>
-            <p:ph type="sldNum" idx="12"/>
-          </p:nvPr>
-        </p:nvSpPr>
-        <p:spPr/>
-        <p:txBody>
-          <a:bodyPr/>
-          <a:lstStyle/>
-          <a:p>
-            <a:pPr marL="0" lvl="0" indent="0" algn="ctr" rtl="0">
-              <a:spcBef>
-                <a:spcPts val="0"/>
-              </a:spcBef>
-              <a:spcAft>
-                <a:spcPts val="0"/>
-              </a:spcAft>
-              <a:buNone/>
-            </a:pPr>
-            <a:fld id="{00000000-1234-1234-1234-123412341234}" type="slidenum">
-              <a:rPr lang="pt-BR" smtClean="0"/>
-              <a:t>14</a:t>
             </a:fld>
             <a:endParaRPr lang="pt-BR"/>
           </a:p>
@@ -8814,7 +8447,7 @@
 </p:sld>
 </file>
 
-<file path=ppt/slides/slide15.xml><?xml version="1.0" encoding="utf-8"?>
+<file path=ppt/slides/slide14.xml><?xml version="1.0" encoding="utf-8"?>
 <p:sld xmlns:a="http://schemas.openxmlformats.org/drawingml/2006/main" xmlns:r="http://schemas.openxmlformats.org/officeDocument/2006/relationships" xmlns:p="http://schemas.openxmlformats.org/presentationml/2006/main">
   <p:cSld>
     <p:spTree>
@@ -8891,7 +8524,7 @@
             </a:pPr>
             <a:fld id="{00000000-1234-1234-1234-123412341234}" type="slidenum">
               <a:rPr lang="pt-BR" smtClean="0"/>
-              <a:t>15</a:t>
+              <a:t>14</a:t>
             </a:fld>
             <a:endParaRPr lang="pt-BR"/>
           </a:p>
@@ -10497,7 +10130,7 @@
 </p:sld>
 </file>
 
-<file path=ppt/slides/slide16.xml><?xml version="1.0" encoding="utf-8"?>
+<file path=ppt/slides/slide15.xml><?xml version="1.0" encoding="utf-8"?>
 <p:sld xmlns:a="http://schemas.openxmlformats.org/drawingml/2006/main" xmlns:r="http://schemas.openxmlformats.org/officeDocument/2006/relationships" xmlns:p="http://schemas.openxmlformats.org/presentationml/2006/main">
   <p:cSld>
     <p:spTree>
@@ -10574,7 +10207,7 @@
             </a:pPr>
             <a:fld id="{00000000-1234-1234-1234-123412341234}" type="slidenum">
               <a:rPr lang="pt-BR" smtClean="0"/>
-              <a:t>16</a:t>
+              <a:t>15</a:t>
             </a:fld>
             <a:endParaRPr lang="pt-BR"/>
           </a:p>
@@ -11227,7 +10860,7 @@
 </p:sld>
 </file>
 
-<file path=ppt/slides/slide17.xml><?xml version="1.0" encoding="utf-8"?>
+<file path=ppt/slides/slide16.xml><?xml version="1.0" encoding="utf-8"?>
 <p:sld xmlns:a="http://schemas.openxmlformats.org/drawingml/2006/main" xmlns:r="http://schemas.openxmlformats.org/officeDocument/2006/relationships" xmlns:p="http://schemas.openxmlformats.org/presentationml/2006/main">
   <p:cSld>
     <p:spTree>
@@ -11401,7 +11034,7 @@
             </a:pPr>
             <a:fld id="{00000000-1234-1234-1234-123412341234}" type="slidenum">
               <a:rPr lang="pt-BR" smtClean="0"/>
-              <a:t>17</a:t>
+              <a:t>16</a:t>
             </a:fld>
             <a:endParaRPr lang="pt-BR"/>
           </a:p>
@@ -11441,6 +11074,395 @@
     <p:extLst>
       <p:ext uri="{BB962C8B-B14F-4D97-AF65-F5344CB8AC3E}">
         <p14:creationId xmlns:p14="http://schemas.microsoft.com/office/powerpoint/2010/main" val="2287338880"/>
+      </p:ext>
+    </p:extLst>
+  </p:cSld>
+  <p:clrMapOvr>
+    <a:masterClrMapping/>
+  </p:clrMapOvr>
+</p:sld>
+</file>
+
+<file path=ppt/slides/slide17.xml><?xml version="1.0" encoding="utf-8"?>
+<p:sld xmlns:a="http://schemas.openxmlformats.org/drawingml/2006/main" xmlns:r="http://schemas.openxmlformats.org/officeDocument/2006/relationships" xmlns:p="http://schemas.openxmlformats.org/presentationml/2006/main">
+  <p:cSld>
+    <p:spTree>
+      <p:nvGrpSpPr>
+        <p:cNvPr id="1" name=""/>
+        <p:cNvGrpSpPr/>
+        <p:nvPr/>
+      </p:nvGrpSpPr>
+      <p:grpSpPr>
+        <a:xfrm>
+          <a:off x="0" y="0"/>
+          <a:ext cx="0" cy="0"/>
+          <a:chOff x="0" y="0"/>
+          <a:chExt cx="0" cy="0"/>
+        </a:xfrm>
+      </p:grpSpPr>
+      <p:sp>
+        <p:nvSpPr>
+          <p:cNvPr id="2" name="Title 1">
+            <a:extLst>
+              <a:ext uri="{FF2B5EF4-FFF2-40B4-BE49-F238E27FC236}">
+                <a16:creationId xmlns:a16="http://schemas.microsoft.com/office/drawing/2014/main" id="{E0753622-53E4-43EB-BFD2-5BE0F5F08083}"/>
+              </a:ext>
+            </a:extLst>
+          </p:cNvPr>
+          <p:cNvSpPr>
+            <a:spLocks noGrp="1"/>
+          </p:cNvSpPr>
+          <p:nvPr>
+            <p:ph type="title"/>
+          </p:nvPr>
+        </p:nvSpPr>
+        <p:spPr/>
+        <p:txBody>
+          <a:bodyPr/>
+          <a:lstStyle/>
+          <a:p>
+            <a:r>
+              <a:rPr lang="pt-BR" dirty="0" err="1"/>
+              <a:t>Fragment</a:t>
+            </a:r>
+            <a:r>
+              <a:rPr lang="pt-BR" dirty="0"/>
+              <a:t> </a:t>
+            </a:r>
+            <a:r>
+              <a:rPr lang="pt-BR" dirty="0" err="1"/>
+              <a:t>Shader</a:t>
+            </a:r>
+            <a:endParaRPr lang="pt-BR" dirty="0"/>
+          </a:p>
+        </p:txBody>
+      </p:sp>
+      <p:sp>
+        <p:nvSpPr>
+          <p:cNvPr id="3" name="Text Placeholder 2">
+            <a:extLst>
+              <a:ext uri="{FF2B5EF4-FFF2-40B4-BE49-F238E27FC236}">
+                <a16:creationId xmlns:a16="http://schemas.microsoft.com/office/drawing/2014/main" id="{8C145274-F07A-93DC-5E2B-E1B5B13C1F57}"/>
+              </a:ext>
+            </a:extLst>
+          </p:cNvPr>
+          <p:cNvSpPr>
+            <a:spLocks noGrp="1"/>
+          </p:cNvSpPr>
+          <p:nvPr>
+            <p:ph type="body" idx="1"/>
+          </p:nvPr>
+        </p:nvSpPr>
+        <p:spPr>
+          <a:xfrm>
+            <a:off x="390548" y="2761488"/>
+            <a:ext cx="8428232" cy="2573656"/>
+          </a:xfrm>
+        </p:spPr>
+        <p:txBody>
+          <a:bodyPr>
+            <a:normAutofit/>
+          </a:bodyPr>
+          <a:lstStyle/>
+          <a:p>
+            <a:r>
+              <a:rPr lang="pt-BR" b="0" i="0" dirty="0">
+                <a:solidFill>
+                  <a:srgbClr val="2D3748"/>
+                </a:solidFill>
+                <a:effectLst/>
+                <a:latin typeface="system-ui"/>
+              </a:rPr>
+              <a:t>O </a:t>
+            </a:r>
+            <a:r>
+              <a:rPr lang="pt-BR" b="0" i="0" dirty="0" err="1">
+                <a:solidFill>
+                  <a:srgbClr val="2D3748"/>
+                </a:solidFill>
+                <a:effectLst/>
+                <a:latin typeface="system-ui"/>
+              </a:rPr>
+              <a:t>Shadertoy</a:t>
+            </a:r>
+            <a:r>
+              <a:rPr lang="pt-BR" b="0" i="0" dirty="0">
+                <a:solidFill>
+                  <a:srgbClr val="2D3748"/>
+                </a:solidFill>
+                <a:effectLst/>
+                <a:latin typeface="system-ui"/>
+              </a:rPr>
+              <a:t> não permite que você escreva </a:t>
+            </a:r>
+            <a:r>
+              <a:rPr lang="pt-BR" b="0" i="0" dirty="0" err="1">
+                <a:solidFill>
+                  <a:srgbClr val="2D3748"/>
+                </a:solidFill>
+                <a:effectLst/>
+                <a:latin typeface="system-ui"/>
+              </a:rPr>
+              <a:t>vertex</a:t>
+            </a:r>
+            <a:r>
+              <a:rPr lang="pt-BR" b="0" i="0" dirty="0">
+                <a:solidFill>
+                  <a:srgbClr val="2D3748"/>
+                </a:solidFill>
+                <a:effectLst/>
+                <a:latin typeface="system-ui"/>
+              </a:rPr>
+              <a:t> </a:t>
+            </a:r>
+            <a:r>
+              <a:rPr lang="pt-BR" b="0" i="0" dirty="0" err="1">
+                <a:solidFill>
+                  <a:srgbClr val="2D3748"/>
+                </a:solidFill>
+                <a:effectLst/>
+                <a:latin typeface="system-ui"/>
+              </a:rPr>
+              <a:t>shaders</a:t>
+            </a:r>
+            <a:r>
+              <a:rPr lang="pt-BR" b="0" i="0" dirty="0">
+                <a:solidFill>
+                  <a:srgbClr val="2D3748"/>
+                </a:solidFill>
+                <a:effectLst/>
+                <a:latin typeface="system-ui"/>
+              </a:rPr>
+              <a:t> e apenas permite que você escreva </a:t>
+            </a:r>
+            <a:r>
+              <a:rPr lang="pt-BR" b="0" i="0" dirty="0" err="1">
+                <a:solidFill>
+                  <a:srgbClr val="2D3748"/>
+                </a:solidFill>
+                <a:effectLst/>
+                <a:latin typeface="system-ui"/>
+              </a:rPr>
+              <a:t>fragment</a:t>
+            </a:r>
+            <a:r>
+              <a:rPr lang="pt-BR" b="0" i="0" dirty="0">
+                <a:solidFill>
+                  <a:srgbClr val="2D3748"/>
+                </a:solidFill>
+                <a:effectLst/>
+                <a:latin typeface="system-ui"/>
+              </a:rPr>
+              <a:t> </a:t>
+            </a:r>
+            <a:r>
+              <a:rPr lang="pt-BR" b="0" i="0" dirty="0" err="1">
+                <a:solidFill>
+                  <a:srgbClr val="2D3748"/>
+                </a:solidFill>
+                <a:effectLst/>
+                <a:latin typeface="system-ui"/>
+              </a:rPr>
+              <a:t>shaders</a:t>
+            </a:r>
+            <a:r>
+              <a:rPr lang="pt-BR" b="0" i="0" dirty="0">
+                <a:solidFill>
+                  <a:srgbClr val="2D3748"/>
+                </a:solidFill>
+                <a:effectLst/>
+                <a:latin typeface="system-ui"/>
+              </a:rPr>
+              <a:t>. Essencialmente, ele fornece um ambiente para experimentar e desenvolver no fragmento </a:t>
+            </a:r>
+            <a:r>
+              <a:rPr lang="pt-BR" b="0" i="0" dirty="0" err="1">
+                <a:solidFill>
+                  <a:srgbClr val="2D3748"/>
+                </a:solidFill>
+                <a:effectLst/>
+                <a:latin typeface="system-ui"/>
+              </a:rPr>
+              <a:t>shader</a:t>
+            </a:r>
+            <a:r>
+              <a:rPr lang="pt-BR" b="0" i="0" dirty="0">
+                <a:solidFill>
+                  <a:srgbClr val="2D3748"/>
+                </a:solidFill>
+                <a:effectLst/>
+                <a:latin typeface="system-ui"/>
+              </a:rPr>
+              <a:t>, tirando todo o proveito do paralelismo de pixels na tela.</a:t>
+            </a:r>
+            <a:endParaRPr lang="pt-BR" dirty="0"/>
+          </a:p>
+        </p:txBody>
+      </p:sp>
+      <p:sp>
+        <p:nvSpPr>
+          <p:cNvPr id="4" name="Slide Number Placeholder 3">
+            <a:extLst>
+              <a:ext uri="{FF2B5EF4-FFF2-40B4-BE49-F238E27FC236}">
+                <a16:creationId xmlns:a16="http://schemas.microsoft.com/office/drawing/2014/main" id="{58208C92-0735-B5EB-7246-90E06A21B796}"/>
+              </a:ext>
+            </a:extLst>
+          </p:cNvPr>
+          <p:cNvSpPr>
+            <a:spLocks noGrp="1"/>
+          </p:cNvSpPr>
+          <p:nvPr>
+            <p:ph type="sldNum" idx="12"/>
+          </p:nvPr>
+        </p:nvSpPr>
+        <p:spPr/>
+        <p:txBody>
+          <a:bodyPr/>
+          <a:lstStyle/>
+          <a:p>
+            <a:pPr marL="0" lvl="0" indent="0" algn="ctr" rtl="0">
+              <a:spcBef>
+                <a:spcPts val="0"/>
+              </a:spcBef>
+              <a:spcAft>
+                <a:spcPts val="0"/>
+              </a:spcAft>
+              <a:buNone/>
+            </a:pPr>
+            <a:fld id="{00000000-1234-1234-1234-123412341234}" type="slidenum">
+              <a:rPr lang="pt-BR" smtClean="0"/>
+              <a:t>17</a:t>
+            </a:fld>
+            <a:endParaRPr lang="pt-BR"/>
+          </a:p>
+        </p:txBody>
+      </p:sp>
+      <p:pic>
+        <p:nvPicPr>
+          <p:cNvPr id="5" name="Picture 4">
+            <a:extLst>
+              <a:ext uri="{FF2B5EF4-FFF2-40B4-BE49-F238E27FC236}">
+                <a16:creationId xmlns:a16="http://schemas.microsoft.com/office/drawing/2014/main" id="{6CD7149C-EEB0-88E6-F46F-5F8A9075BE7F}"/>
+              </a:ext>
+            </a:extLst>
+          </p:cNvPr>
+          <p:cNvPicPr>
+            <a:picLocks noChangeAspect="1"/>
+          </p:cNvPicPr>
+          <p:nvPr/>
+        </p:nvPicPr>
+        <p:blipFill>
+          <a:blip r:embed="rId2"/>
+          <a:stretch>
+            <a:fillRect/>
+          </a:stretch>
+        </p:blipFill>
+        <p:spPr>
+          <a:xfrm>
+            <a:off x="724154" y="763400"/>
+            <a:ext cx="7531100" cy="1765300"/>
+          </a:xfrm>
+          <a:prstGeom prst="rect">
+            <a:avLst/>
+          </a:prstGeom>
+        </p:spPr>
+      </p:pic>
+      <p:sp>
+        <p:nvSpPr>
+          <p:cNvPr id="6" name="Rectangle 5">
+            <a:extLst>
+              <a:ext uri="{FF2B5EF4-FFF2-40B4-BE49-F238E27FC236}">
+                <a16:creationId xmlns:a16="http://schemas.microsoft.com/office/drawing/2014/main" id="{FD922BAA-4C79-FFF0-1963-BB280CDBD9BF}"/>
+              </a:ext>
+            </a:extLst>
+          </p:cNvPr>
+          <p:cNvSpPr/>
+          <p:nvPr/>
+        </p:nvSpPr>
+        <p:spPr>
+          <a:xfrm>
+            <a:off x="4946904" y="763400"/>
+            <a:ext cx="1179576" cy="1687192"/>
+          </a:xfrm>
+          <a:prstGeom prst="rect">
+            <a:avLst/>
+          </a:prstGeom>
+          <a:noFill/>
+          <a:ln w="57150">
+            <a:solidFill>
+              <a:srgbClr val="FF0000"/>
+            </a:solidFill>
+          </a:ln>
+        </p:spPr>
+        <p:style>
+          <a:lnRef idx="2">
+            <a:schemeClr val="accent1">
+              <a:shade val="50000"/>
+            </a:schemeClr>
+          </a:lnRef>
+          <a:fillRef idx="1">
+            <a:schemeClr val="accent1"/>
+          </a:fillRef>
+          <a:effectRef idx="0">
+            <a:schemeClr val="accent1"/>
+          </a:effectRef>
+          <a:fontRef idx="minor">
+            <a:schemeClr val="lt1"/>
+          </a:fontRef>
+        </p:style>
+        <p:txBody>
+          <a:bodyPr rtlCol="0" anchor="ctr"/>
+          <a:lstStyle/>
+          <a:p>
+            <a:pPr algn="ctr"/>
+            <a:endParaRPr lang="pt-BR"/>
+          </a:p>
+        </p:txBody>
+      </p:sp>
+      <p:sp>
+        <p:nvSpPr>
+          <p:cNvPr id="8" name="TextBox 7">
+            <a:extLst>
+              <a:ext uri="{FF2B5EF4-FFF2-40B4-BE49-F238E27FC236}">
+                <a16:creationId xmlns:a16="http://schemas.microsoft.com/office/drawing/2014/main" id="{5835DFFB-19BB-725A-5D36-3B0C854AFC2D}"/>
+              </a:ext>
+            </a:extLst>
+          </p:cNvPr>
+          <p:cNvSpPr txBox="1"/>
+          <p:nvPr/>
+        </p:nvSpPr>
+        <p:spPr>
+          <a:xfrm>
+            <a:off x="5440680" y="5410729"/>
+            <a:ext cx="2925420" cy="261610"/>
+          </a:xfrm>
+          <a:prstGeom prst="rect">
+            <a:avLst/>
+          </a:prstGeom>
+          <a:noFill/>
+        </p:spPr>
+        <p:txBody>
+          <a:bodyPr wrap="square">
+            <a:spAutoFit/>
+          </a:bodyPr>
+          <a:lstStyle/>
+          <a:p>
+            <a:pPr algn="r"/>
+            <a:r>
+              <a:rPr lang="pt-BR" sz="1050" dirty="0" err="1"/>
+              <a:t>Imagem:F.Andreussi</a:t>
+            </a:r>
+            <a:r>
+              <a:rPr lang="pt-BR" sz="1050" dirty="0"/>
+              <a:t>(BUW)</a:t>
+            </a:r>
+          </a:p>
+        </p:txBody>
+      </p:sp>
+    </p:spTree>
+    <p:extLst>
+      <p:ext uri="{BB962C8B-B14F-4D97-AF65-F5344CB8AC3E}">
+        <p14:creationId xmlns:p14="http://schemas.microsoft.com/office/powerpoint/2010/main" val="397781263"/>
       </p:ext>
     </p:extLst>
   </p:cSld>
@@ -12853,7 +12875,7 @@
         </p:spPr>
         <p:txBody>
           <a:bodyPr>
-            <a:normAutofit lnSpcReduction="10000"/>
+            <a:normAutofit fontScale="92500"/>
           </a:bodyPr>
           <a:lstStyle/>
           <a:p>
@@ -12862,7 +12884,7 @@
               <a:buChar char="•"/>
             </a:pPr>
             <a:r>
-              <a:rPr lang="en-US" b="1" i="0" dirty="0">
+              <a:rPr lang="pt-BR" sz="2400" b="1" i="0" dirty="0">
                 <a:solidFill>
                   <a:srgbClr val="2D3748"/>
                 </a:solidFill>
@@ -12872,56 +12894,14 @@
               <a:t>Ray Casting</a:t>
             </a:r>
             <a:r>
-              <a:rPr lang="en-US" b="0" i="0" dirty="0">
+              <a:rPr lang="pt-BR" sz="2400" i="0" dirty="0">
                 <a:solidFill>
                   <a:srgbClr val="2D3748"/>
                 </a:solidFill>
                 <a:effectLst/>
                 <a:latin typeface="system-ui"/>
               </a:rPr>
-              <a:t>: A simpler form of ray tracing used in games like </a:t>
-            </a:r>
-            <a:r>
-              <a:rPr lang="en-US" b="1" i="0" dirty="0">
-                <a:solidFill>
-                  <a:srgbClr val="2D3748"/>
-                </a:solidFill>
-                <a:effectLst/>
-                <a:latin typeface="system-ui"/>
-                <a:hlinkClick r:id="rId2"/>
-              </a:rPr>
-              <a:t>Wolfenstein 3D</a:t>
-            </a:r>
-            <a:r>
-              <a:rPr lang="en-US" b="0" i="0" dirty="0">
-                <a:solidFill>
-                  <a:srgbClr val="2D3748"/>
-                </a:solidFill>
-                <a:effectLst/>
-                <a:latin typeface="system-ui"/>
-              </a:rPr>
-              <a:t> and </a:t>
-            </a:r>
-            <a:r>
-              <a:rPr lang="en-US" b="1" i="0" dirty="0">
-                <a:solidFill>
-                  <a:srgbClr val="2D3748"/>
-                </a:solidFill>
-                <a:effectLst/>
-                <a:latin typeface="system-ui"/>
-                <a:hlinkClick r:id="rId3"/>
-              </a:rPr>
-              <a:t>Doom</a:t>
-            </a:r>
-            <a:r>
-              <a:rPr lang="en-US" b="0" i="0" dirty="0">
-                <a:solidFill>
-                  <a:srgbClr val="2D3748"/>
-                </a:solidFill>
-                <a:effectLst/>
-                <a:latin typeface="system-ui"/>
-              </a:rPr>
-              <a:t> that fires a single ray and stops when it hits a target.</a:t>
+              <a:t>: Uma forma simples de lançamento de raios. Essa técnica define o um único raio que detecta interseções com objetos. Essa técnica é usada muitas vezes para interações de raios com objetos.</a:t>
             </a:r>
           </a:p>
           <a:p>
@@ -12930,54 +12910,114 @@
               <a:buChar char="•"/>
             </a:pPr>
             <a:r>
-              <a:rPr lang="en-US" b="1" i="0" dirty="0">
+              <a:rPr lang="pt-BR" sz="2400" b="1" i="0" dirty="0">
                 <a:solidFill>
                   <a:srgbClr val="2D3748"/>
                 </a:solidFill>
                 <a:effectLst/>
                 <a:latin typeface="system-ui"/>
               </a:rPr>
-              <a:t>Ray Marching</a:t>
-            </a:r>
-            <a:r>
-              <a:rPr lang="en-US" b="0" i="0" dirty="0">
+              <a:t>Ray </a:t>
+            </a:r>
+            <a:r>
+              <a:rPr lang="pt-BR" sz="2400" b="1" i="0" dirty="0" err="1">
                 <a:solidFill>
                   <a:srgbClr val="2D3748"/>
                 </a:solidFill>
                 <a:effectLst/>
                 <a:latin typeface="system-ui"/>
               </a:rPr>
-              <a:t>: A method of ray casting that uses signed distance fields (SDF) and commonly a sphere tracing algorithm that "marches" rays incrementally until it hits the closest object.</a:t>
-            </a:r>
-          </a:p>
-          <a:p>
-            <a:pPr marL="1028700" lvl="1" indent="-342900"/>
-            <a:r>
-              <a:rPr lang="en-US" b="0" i="0" dirty="0">
+              <a:t>Marching</a:t>
+            </a:r>
+            <a:r>
+              <a:rPr lang="pt-BR" sz="2400" i="0" dirty="0">
                 <a:solidFill>
                   <a:srgbClr val="2D3748"/>
                 </a:solidFill>
                 <a:effectLst/>
                 <a:latin typeface="system-ui"/>
               </a:rPr>
-              <a:t>sphere tracing</a:t>
-            </a:r>
-            <a:r>
-              <a:rPr lang="en-US" dirty="0">
+              <a:t>: Um método de projeção de raios que usa </a:t>
+            </a:r>
+            <a:r>
+              <a:rPr lang="pt-BR" sz="2400" i="0" dirty="0" err="1">
                 <a:solidFill>
                   <a:srgbClr val="2D3748"/>
                 </a:solidFill>
+                <a:effectLst/>
                 <a:latin typeface="system-ui"/>
               </a:rPr>
-              <a:t>: a type o ray marching</a:t>
-            </a:r>
-            <a:endParaRPr lang="en-US" b="0" i="0" dirty="0">
-              <a:solidFill>
-                <a:srgbClr val="2D3748"/>
-              </a:solidFill>
-              <a:effectLst/>
-              <a:latin typeface="system-ui"/>
-            </a:endParaRPr>
+              <a:t>SDFs</a:t>
+            </a:r>
+            <a:r>
+              <a:rPr lang="pt-BR" sz="2400" i="0" dirty="0">
+                <a:solidFill>
+                  <a:srgbClr val="2D3748"/>
+                </a:solidFill>
+                <a:effectLst/>
+                <a:latin typeface="system-ui"/>
+              </a:rPr>
+              <a:t> (</a:t>
+            </a:r>
+            <a:r>
+              <a:rPr lang="pt-BR" sz="2400" i="0" dirty="0" err="1">
+                <a:solidFill>
+                  <a:srgbClr val="2D3748"/>
+                </a:solidFill>
+                <a:effectLst/>
+                <a:latin typeface="system-ui"/>
+              </a:rPr>
+              <a:t>Signed</a:t>
+            </a:r>
+            <a:r>
+              <a:rPr lang="pt-BR" sz="2400" i="0" dirty="0">
+                <a:solidFill>
+                  <a:srgbClr val="2D3748"/>
+                </a:solidFill>
+                <a:effectLst/>
+                <a:latin typeface="system-ui"/>
+              </a:rPr>
+              <a:t> </a:t>
+            </a:r>
+            <a:r>
+              <a:rPr lang="pt-BR" sz="2400" i="0" dirty="0" err="1">
+                <a:solidFill>
+                  <a:srgbClr val="2D3748"/>
+                </a:solidFill>
+                <a:effectLst/>
+                <a:latin typeface="system-ui"/>
+              </a:rPr>
+              <a:t>Distance</a:t>
+            </a:r>
+            <a:r>
+              <a:rPr lang="pt-BR" sz="2400" i="0" dirty="0">
+                <a:solidFill>
+                  <a:srgbClr val="2D3748"/>
+                </a:solidFill>
+                <a:effectLst/>
+                <a:latin typeface="system-ui"/>
+              </a:rPr>
+              <a:t> Fields) e rastreia objetos marchan</a:t>
+            </a:r>
+            <a:r>
+              <a:rPr lang="pt-BR" sz="2400" dirty="0">
+                <a:solidFill>
+                  <a:srgbClr val="2D3748"/>
+                </a:solidFill>
+                <a:latin typeface="system-ui"/>
+              </a:rPr>
+              <a:t>do em direção a eles</a:t>
+            </a:r>
+            <a:r>
+              <a:rPr lang="pt-BR" sz="2400" i="0" dirty="0">
+                <a:solidFill>
+                  <a:srgbClr val="2D3748"/>
+                </a:solidFill>
+                <a:effectLst/>
+                <a:latin typeface="system-ui"/>
+              </a:rPr>
+              <a:t>.</a:t>
+            </a:r>
           </a:p>
           <a:p>
             <a:pPr marL="571500" indent="-342900" algn="l">
@@ -12985,90 +13025,92 @@
               <a:buChar char="•"/>
             </a:pPr>
             <a:r>
-              <a:rPr lang="en-US" b="1" i="0" dirty="0">
+              <a:rPr lang="pt-BR" sz="2400" b="1" i="0" dirty="0">
                 <a:solidFill>
                   <a:srgbClr val="2D3748"/>
                 </a:solidFill>
                 <a:effectLst/>
                 <a:latin typeface="system-ui"/>
               </a:rPr>
-              <a:t>Ray Tracing</a:t>
-            </a:r>
-            <a:r>
-              <a:rPr lang="en-US" b="0" i="0" dirty="0">
+              <a:t>Ray </a:t>
+            </a:r>
+            <a:r>
+              <a:rPr lang="pt-BR" sz="2400" b="1" i="0" dirty="0" err="1">
                 <a:solidFill>
                   <a:srgbClr val="2D3748"/>
                 </a:solidFill>
                 <a:effectLst/>
                 <a:latin typeface="system-ui"/>
               </a:rPr>
-              <a:t>: A more sophisticated version of ray casting that fires off rays, calculates </a:t>
-            </a:r>
-            <a:r>
-              <a:rPr lang="en-US" b="1" i="0" dirty="0">
+              <a:t>Tracing</a:t>
+            </a:r>
+            <a:r>
+              <a:rPr lang="pt-BR" sz="2400" i="0" dirty="0">
                 <a:solidFill>
                   <a:srgbClr val="2D3748"/>
                 </a:solidFill>
                 <a:effectLst/>
                 <a:latin typeface="system-ui"/>
-                <a:hlinkClick r:id="rId4"/>
-              </a:rPr>
-              <a:t>ray-surface intersections</a:t>
-            </a:r>
-            <a:r>
-              <a:rPr lang="en-US" b="0" i="0" dirty="0">
+              </a:rPr>
+              <a:t>: uma versão mais sofisticada de </a:t>
+            </a:r>
+            <a:r>
+              <a:rPr lang="pt-BR" sz="2400" i="0" dirty="0" err="1">
                 <a:solidFill>
                   <a:srgbClr val="2D3748"/>
                 </a:solidFill>
                 <a:effectLst/>
                 <a:latin typeface="system-ui"/>
               </a:rPr>
-              <a:t>, and recursively creates new rays upon each reflection.</a:t>
-            </a:r>
-          </a:p>
-          <a:p>
-            <a:pPr marL="1028700" lvl="1" indent="-342900"/>
-            <a:r>
-              <a:rPr lang="en-US" dirty="0">
+              <a:t>ray</a:t>
+            </a:r>
+            <a:r>
+              <a:rPr lang="pt-BR" sz="2400" i="0" dirty="0">
                 <a:solidFill>
                   <a:srgbClr val="2D3748"/>
                 </a:solidFill>
+                <a:effectLst/>
                 <a:latin typeface="system-ui"/>
               </a:rPr>
-              <a:t>Path Tracing: A type of ray tracing algorithm that shoots out hundreds or thousands of rays per pixel instead of just one. The rays are shot in random directions using the </a:t>
-            </a:r>
-            <a:r>
-              <a:rPr lang="en-US" dirty="0">
-                <a:solidFill>
-                  <a:srgbClr val="2D3748"/>
-                </a:solidFill>
-                <a:latin typeface="system-ui"/>
-                <a:hlinkClick r:id="rId5">
-                  <a:extLst>
-                    <a:ext uri="{A12FA001-AC4F-418D-AE19-62706E023703}">
-                      <ahyp:hlinkClr xmlns:ahyp="http://schemas.microsoft.com/office/drawing/2018/hyperlinkcolor" val="tx"/>
-                    </a:ext>
-                  </a:extLst>
-                </a:hlinkClick>
-              </a:rPr>
-              <a:t>Monte Carlo method</a:t>
-            </a:r>
-            <a:r>
-              <a:rPr lang="en-US" dirty="0">
-                <a:solidFill>
-                  <a:srgbClr val="2D3748"/>
-                </a:solidFill>
-                <a:latin typeface="system-ui"/>
-              </a:rPr>
-              <a:t>, and the final pixel color is determined from sampling the rays that make it to the light source.</a:t>
-            </a:r>
-          </a:p>
-          <a:p>
-            <a:pPr marL="571500" indent="-342900">
+              <a:t> casting que dispara vários raios, calcula interseções e e cria recursivamente novos raios a cada reflexão.</a:t>
+            </a:r>
+          </a:p>
+          <a:p>
+            <a:pPr marL="1028700" lvl="1" indent="-342900">
               <a:buFont typeface="Arial" panose="020B0604020202020204" pitchFamily="34" charset="0"/>
               <a:buChar char="•"/>
             </a:pPr>
-            <a:endParaRPr lang="pt-BR" dirty="0"/>
+            <a:r>
+              <a:rPr lang="pt-BR" sz="2400" b="1" i="0" dirty="0">
+                <a:solidFill>
+                  <a:srgbClr val="2D3748"/>
+                </a:solidFill>
+                <a:effectLst/>
+                <a:latin typeface="system-ui"/>
+              </a:rPr>
+              <a:t>Path </a:t>
+            </a:r>
+            <a:r>
+              <a:rPr lang="pt-BR" sz="2400" b="1" i="0" dirty="0" err="1">
+                <a:solidFill>
+                  <a:srgbClr val="2D3748"/>
+                </a:solidFill>
+                <a:effectLst/>
+                <a:latin typeface="system-ui"/>
+              </a:rPr>
+              <a:t>Tracing</a:t>
+            </a:r>
+            <a:r>
+              <a:rPr lang="pt-BR" sz="2400" i="0" dirty="0">
+                <a:solidFill>
+                  <a:srgbClr val="2D3748"/>
+                </a:solidFill>
+                <a:effectLst/>
+                <a:latin typeface="system-ui"/>
+              </a:rPr>
+              <a:t>: um tipo de algoritmo de rastreamento de raios que dispara diversos raios por pixel em vez de apenas um. Os raios são disparados em direções aleatórias usando o método Monte Carlo.</a:t>
+            </a:r>
+            <a:endParaRPr lang="pt-BR" sz="2400" dirty="0"/>
           </a:p>
         </p:txBody>
       </p:sp>
@@ -21020,25 +21062,30 @@
           <a:lstStyle/>
           <a:p>
             <a:r>
-              <a:rPr lang="en-US" dirty="0"/>
-              <a:t>shaders run in parallel on your GPU is extremely important. Your program will independently run for every pixel in </a:t>
-            </a:r>
-            <a:r>
-              <a:rPr lang="en-US" dirty="0" err="1"/>
-              <a:t>Shadertoy</a:t>
-            </a:r>
-            <a:r>
-              <a:rPr lang="en-US" dirty="0"/>
-              <a:t> at the same time.</a:t>
-            </a:r>
-          </a:p>
-          <a:p>
-            <a:endParaRPr lang="en-US" dirty="0"/>
-          </a:p>
-          <a:p>
+              <a:rPr lang="pt-BR" dirty="0"/>
+              <a:t>Linguagens para </a:t>
+            </a:r>
             <a:r>
               <a:rPr lang="pt-BR" dirty="0" err="1"/>
-              <a:t>Shader</a:t>
+              <a:t>shaders</a:t>
+            </a:r>
+            <a:r>
+              <a:rPr lang="pt-BR" dirty="0"/>
+              <a:t> mais populares são:</a:t>
+            </a:r>
+          </a:p>
+          <a:p>
+            <a:pPr marL="571500" indent="-342900">
+              <a:buFont typeface="Arial" panose="020B0604020202020204" pitchFamily="34" charset="0"/>
+              <a:buChar char="•"/>
+            </a:pPr>
+            <a:r>
+              <a:rPr lang="pt-BR" dirty="0"/>
+              <a:t>OpenGL </a:t>
+            </a:r>
+            <a:r>
+              <a:rPr lang="pt-BR" dirty="0" err="1"/>
+              <a:t>Shading</a:t>
             </a:r>
             <a:r>
               <a:rPr lang="pt-BR" dirty="0"/>
@@ -21046,7 +21093,25 @@
             </a:r>
             <a:r>
               <a:rPr lang="pt-BR" dirty="0" err="1"/>
-              <a:t>languages</a:t>
+              <a:t>Language</a:t>
+            </a:r>
+            <a:r>
+              <a:rPr lang="pt-BR" dirty="0"/>
+              <a:t> (GLSL)</a:t>
+            </a:r>
+          </a:p>
+          <a:p>
+            <a:pPr marL="571500" indent="-342900">
+              <a:buFont typeface="Arial" panose="020B0604020202020204" pitchFamily="34" charset="0"/>
+              <a:buChar char="•"/>
+            </a:pPr>
+            <a:r>
+              <a:rPr lang="pt-BR" dirty="0"/>
+              <a:t>High-</a:t>
+            </a:r>
+            <a:r>
+              <a:rPr lang="pt-BR" dirty="0" err="1"/>
+              <a:t>Level</a:t>
             </a:r>
             <a:r>
               <a:rPr lang="pt-BR" dirty="0"/>
@@ -21054,23 +21119,7 @@
             </a:r>
             <a:r>
               <a:rPr lang="pt-BR" dirty="0" err="1"/>
-              <a:t>such</a:t>
-            </a:r>
-            <a:r>
-              <a:rPr lang="pt-BR" dirty="0"/>
-              <a:t> as </a:t>
-            </a:r>
-            <a:r>
-              <a:rPr lang="pt-BR" dirty="0" err="1"/>
-              <a:t>the</a:t>
-            </a:r>
-            <a:r>
-              <a:rPr lang="pt-BR" dirty="0"/>
-              <a:t> High-</a:t>
-            </a:r>
-            <a:r>
-              <a:rPr lang="pt-BR" dirty="0" err="1"/>
-              <a:t>Level</a:t>
+              <a:t>Shading</a:t>
             </a:r>
             <a:r>
               <a:rPr lang="pt-BR" dirty="0"/>
@@ -21078,127 +21127,11 @@
             </a:r>
             <a:r>
               <a:rPr lang="pt-BR" dirty="0" err="1"/>
-              <a:t>Shading</a:t>
+              <a:t>Language</a:t>
             </a:r>
             <a:r>
               <a:rPr lang="pt-BR" dirty="0"/>
-              <a:t> </a:t>
-            </a:r>
-            <a:r>
-              <a:rPr lang="pt-BR" dirty="0" err="1"/>
-              <a:t>Language</a:t>
-            </a:r>
-            <a:r>
-              <a:rPr lang="pt-BR" dirty="0"/>
-              <a:t> (HLSL) </a:t>
-            </a:r>
-            <a:r>
-              <a:rPr lang="pt-BR" dirty="0" err="1"/>
-              <a:t>and</a:t>
-            </a:r>
-            <a:r>
-              <a:rPr lang="pt-BR" dirty="0"/>
-              <a:t> OpenGL </a:t>
-            </a:r>
-            <a:r>
-              <a:rPr lang="pt-BR" dirty="0" err="1"/>
-              <a:t>Shading</a:t>
-            </a:r>
-            <a:r>
-              <a:rPr lang="pt-BR" dirty="0"/>
-              <a:t> </a:t>
-            </a:r>
-            <a:r>
-              <a:rPr lang="pt-BR" dirty="0" err="1"/>
-              <a:t>Language</a:t>
-            </a:r>
-            <a:r>
-              <a:rPr lang="pt-BR" dirty="0"/>
-              <a:t> (GLSL) are </a:t>
-            </a:r>
-            <a:r>
-              <a:rPr lang="pt-BR" dirty="0" err="1"/>
-              <a:t>the</a:t>
-            </a:r>
-            <a:r>
-              <a:rPr lang="pt-BR" dirty="0"/>
-              <a:t> </a:t>
-            </a:r>
-            <a:r>
-              <a:rPr lang="pt-BR" dirty="0" err="1"/>
-              <a:t>most</a:t>
-            </a:r>
-            <a:r>
-              <a:rPr lang="pt-BR" dirty="0"/>
-              <a:t> common </a:t>
-            </a:r>
-            <a:r>
-              <a:rPr lang="pt-BR" dirty="0" err="1"/>
-              <a:t>languages</a:t>
-            </a:r>
-            <a:r>
-              <a:rPr lang="pt-BR" dirty="0"/>
-              <a:t> </a:t>
-            </a:r>
-            <a:r>
-              <a:rPr lang="pt-BR" dirty="0" err="1"/>
-              <a:t>used</a:t>
-            </a:r>
-            <a:r>
-              <a:rPr lang="pt-BR" dirty="0"/>
-              <a:t> </a:t>
-            </a:r>
-            <a:r>
-              <a:rPr lang="pt-BR" dirty="0" err="1"/>
-              <a:t>to</a:t>
-            </a:r>
-            <a:r>
-              <a:rPr lang="pt-BR" dirty="0"/>
-              <a:t> </a:t>
-            </a:r>
-            <a:r>
-              <a:rPr lang="pt-BR" dirty="0" err="1"/>
-              <a:t>program</a:t>
-            </a:r>
-            <a:r>
-              <a:rPr lang="pt-BR" dirty="0"/>
-              <a:t> </a:t>
-            </a:r>
-            <a:r>
-              <a:rPr lang="pt-BR" dirty="0" err="1"/>
-              <a:t>the</a:t>
-            </a:r>
-            <a:r>
-              <a:rPr lang="pt-BR" dirty="0"/>
-              <a:t> </a:t>
-            </a:r>
-            <a:r>
-              <a:rPr lang="pt-BR" dirty="0" err="1"/>
-              <a:t>GPU's</a:t>
-            </a:r>
-            <a:r>
-              <a:rPr lang="pt-BR" dirty="0"/>
-              <a:t> </a:t>
-            </a:r>
-            <a:r>
-              <a:rPr lang="pt-BR" dirty="0" err="1"/>
-              <a:t>rendering</a:t>
-            </a:r>
-            <a:r>
-              <a:rPr lang="pt-BR" dirty="0"/>
-              <a:t> pipeline.</a:t>
-            </a:r>
-          </a:p>
-          <a:p>
-            <a:endParaRPr lang="pt-BR" dirty="0"/>
-          </a:p>
-          <a:p>
-            <a:endParaRPr lang="pt-BR" dirty="0"/>
-          </a:p>
-          <a:p>
-            <a:r>
-              <a:rPr lang="pt-BR" dirty="0"/>
-              <a:t>Muito parecido com C</a:t>
+              <a:t> (HLSL)</a:t>
             </a:r>
           </a:p>
         </p:txBody>
@@ -33239,7 +33172,7 @@
           <p:cNvPr id="2" name="Title 1">
             <a:extLst>
               <a:ext uri="{FF2B5EF4-FFF2-40B4-BE49-F238E27FC236}">
-                <a16:creationId xmlns:a16="http://schemas.microsoft.com/office/drawing/2014/main" id="{E0753622-53E4-43EB-BFD2-5BE0F5F08083}"/>
+                <a16:creationId xmlns:a16="http://schemas.microsoft.com/office/drawing/2014/main" id="{67C24757-2FBA-FD0F-D446-F2C8A83C8483}"/>
               </a:ext>
             </a:extLst>
           </p:cNvPr>
@@ -33256,18 +33189,17 @@
           <a:lstStyle/>
           <a:p>
             <a:r>
+              <a:rPr lang="pt-BR" dirty="0"/>
+              <a:t>Introdução a </a:t>
+            </a:r>
+            <a:r>
               <a:rPr lang="pt-BR" dirty="0" err="1"/>
-              <a:t>Fragment</a:t>
+              <a:t>Shaders</a:t>
             </a:r>
             <a:r>
               <a:rPr lang="pt-BR" dirty="0"/>
-              <a:t> </a:t>
-            </a:r>
-            <a:r>
-              <a:rPr lang="pt-BR" dirty="0" err="1"/>
-              <a:t>Shader</a:t>
-            </a:r>
-            <a:endParaRPr lang="pt-BR" dirty="0"/>
+              <a:t> (GLSL)</a:t>
+            </a:r>
           </a:p>
         </p:txBody>
       </p:sp>
@@ -33276,7 +33208,7 @@
           <p:cNvPr id="3" name="Text Placeholder 2">
             <a:extLst>
               <a:ext uri="{FF2B5EF4-FFF2-40B4-BE49-F238E27FC236}">
-                <a16:creationId xmlns:a16="http://schemas.microsoft.com/office/drawing/2014/main" id="{8C145274-F07A-93DC-5E2B-E1B5B13C1F57}"/>
+                <a16:creationId xmlns:a16="http://schemas.microsoft.com/office/drawing/2014/main" id="{CA87281D-B426-44AA-02B3-C6A850468CCD}"/>
               </a:ext>
             </a:extLst>
           </p:cNvPr>
@@ -33287,91 +33219,23 @@
             <p:ph type="body" idx="1"/>
           </p:nvPr>
         </p:nvSpPr>
-        <p:spPr>
-          <a:xfrm>
-            <a:off x="390548" y="2761488"/>
-            <a:ext cx="8428232" cy="2573656"/>
-          </a:xfrm>
-        </p:spPr>
+        <p:spPr/>
         <p:txBody>
-          <a:bodyPr>
-            <a:normAutofit fontScale="85000" lnSpcReduction="10000"/>
-          </a:bodyPr>
+          <a:bodyPr/>
           <a:lstStyle/>
           <a:p>
             <a:r>
-              <a:rPr lang="en-US" b="0" i="0" dirty="0">
-                <a:solidFill>
-                  <a:srgbClr val="2D3748"/>
-                </a:solidFill>
-                <a:effectLst/>
-                <a:latin typeface="system-ui"/>
-              </a:rPr>
-              <a:t>pixel shaders. The term, "fragment shader," is more accurate</a:t>
-            </a:r>
-            <a:endParaRPr lang="pt-BR" dirty="0"/>
-          </a:p>
-          <a:p>
-            <a:endParaRPr lang="en-US" b="0" i="0" dirty="0">
-              <a:solidFill>
-                <a:srgbClr val="2D3748"/>
-              </a:solidFill>
-              <a:effectLst/>
-              <a:latin typeface="system-ui"/>
-            </a:endParaRPr>
-          </a:p>
-          <a:p>
-            <a:r>
-              <a:rPr lang="en-US" b="0" i="0" dirty="0">
-                <a:solidFill>
-                  <a:srgbClr val="2D3748"/>
-                </a:solidFill>
-                <a:effectLst/>
-                <a:latin typeface="system-ui"/>
-              </a:rPr>
-              <a:t>You have to rely on algorithms such as ray marching and signed distance fields/functions (SDFs) to render 3D scenes which can be computationally expensive.</a:t>
-            </a:r>
-          </a:p>
-          <a:p>
-            <a:endParaRPr lang="en-US" dirty="0">
-              <a:solidFill>
-                <a:srgbClr val="2D3748"/>
-              </a:solidFill>
-              <a:latin typeface="system-ui"/>
-            </a:endParaRPr>
-          </a:p>
-          <a:p>
-            <a:r>
-              <a:rPr lang="en-US" b="0" i="0" dirty="0">
-                <a:solidFill>
-                  <a:srgbClr val="2D3748"/>
-                </a:solidFill>
-                <a:effectLst/>
-                <a:latin typeface="system-ui"/>
-              </a:rPr>
-              <a:t> </a:t>
-            </a:r>
-            <a:r>
-              <a:rPr lang="en-US" b="0" i="0" dirty="0" err="1">
-                <a:solidFill>
-                  <a:srgbClr val="2D3748"/>
-                </a:solidFill>
-                <a:effectLst/>
-                <a:latin typeface="system-ui"/>
-              </a:rPr>
-              <a:t>Shadertoy</a:t>
-            </a:r>
-            <a:r>
-              <a:rPr lang="en-US" b="0" i="0" dirty="0">
-                <a:solidFill>
-                  <a:srgbClr val="2D3748"/>
-                </a:solidFill>
-                <a:effectLst/>
-                <a:latin typeface="system-ui"/>
-              </a:rPr>
-              <a:t> doesn't let you write vertex shaders and only lets you write pixel shaders. It essentially provides an environment for experimenting with the fragment side of shaders, so you can manipulate all pixels on the canvas in parallel.</a:t>
-            </a:r>
-            <a:endParaRPr lang="pt-BR" dirty="0"/>
+              <a:rPr lang="pt-BR" dirty="0"/>
+              <a:t>Um típico </a:t>
+            </a:r>
+            <a:r>
+              <a:rPr lang="pt-BR" dirty="0" err="1"/>
+              <a:t>Shader</a:t>
+            </a:r>
+            <a:r>
+              <a:rPr lang="pt-BR" dirty="0"/>
+              <a:t> tem a seguinte estrutura:</a:t>
+            </a:r>
           </a:p>
         </p:txBody>
       </p:sp>
@@ -33380,7 +33244,7 @@
           <p:cNvPr id="4" name="Slide Number Placeholder 3">
             <a:extLst>
               <a:ext uri="{FF2B5EF4-FFF2-40B4-BE49-F238E27FC236}">
-                <a16:creationId xmlns:a16="http://schemas.microsoft.com/office/drawing/2014/main" id="{58208C92-0735-B5EB-7246-90E06A21B796}"/>
+                <a16:creationId xmlns:a16="http://schemas.microsoft.com/office/drawing/2014/main" id="{15664F33-34E4-DE21-4DAD-247E3FB608EA}"/>
               </a:ext>
             </a:extLst>
           </p:cNvPr>
@@ -33413,94 +33277,12 @@
           </a:p>
         </p:txBody>
       </p:sp>
-      <p:pic>
-        <p:nvPicPr>
-          <p:cNvPr id="5" name="Picture 4">
+      <p:sp>
+        <p:nvSpPr>
+          <p:cNvPr id="6" name="TextBox 5">
             <a:extLst>
               <a:ext uri="{FF2B5EF4-FFF2-40B4-BE49-F238E27FC236}">
-                <a16:creationId xmlns:a16="http://schemas.microsoft.com/office/drawing/2014/main" id="{6CD7149C-EEB0-88E6-F46F-5F8A9075BE7F}"/>
-              </a:ext>
-            </a:extLst>
-          </p:cNvPr>
-          <p:cNvPicPr>
-            <a:picLocks noChangeAspect="1"/>
-          </p:cNvPicPr>
-          <p:nvPr/>
-        </p:nvPicPr>
-        <p:blipFill>
-          <a:blip r:embed="rId2"/>
-          <a:stretch>
-            <a:fillRect/>
-          </a:stretch>
-        </p:blipFill>
-        <p:spPr>
-          <a:xfrm>
-            <a:off x="724154" y="763400"/>
-            <a:ext cx="7531100" cy="1765300"/>
-          </a:xfrm>
-          <a:prstGeom prst="rect">
-            <a:avLst/>
-          </a:prstGeom>
-        </p:spPr>
-      </p:pic>
-      <p:sp>
-        <p:nvSpPr>
-          <p:cNvPr id="6" name="Rectangle 5">
-            <a:extLst>
-              <a:ext uri="{FF2B5EF4-FFF2-40B4-BE49-F238E27FC236}">
-                <a16:creationId xmlns:a16="http://schemas.microsoft.com/office/drawing/2014/main" id="{FD922BAA-4C79-FFF0-1963-BB280CDBD9BF}"/>
-              </a:ext>
-            </a:extLst>
-          </p:cNvPr>
-          <p:cNvSpPr/>
-          <p:nvPr/>
-        </p:nvSpPr>
-        <p:spPr>
-          <a:xfrm>
-            <a:off x="4946904" y="763400"/>
-            <a:ext cx="1179576" cy="1687192"/>
-          </a:xfrm>
-          <a:prstGeom prst="rect">
-            <a:avLst/>
-          </a:prstGeom>
-          <a:noFill/>
-          <a:ln w="57150">
-            <a:solidFill>
-              <a:srgbClr val="FF0000"/>
-            </a:solidFill>
-          </a:ln>
-        </p:spPr>
-        <p:style>
-          <a:lnRef idx="2">
-            <a:schemeClr val="accent1">
-              <a:shade val="50000"/>
-            </a:schemeClr>
-          </a:lnRef>
-          <a:fillRef idx="1">
-            <a:schemeClr val="accent1"/>
-          </a:fillRef>
-          <a:effectRef idx="0">
-            <a:schemeClr val="accent1"/>
-          </a:effectRef>
-          <a:fontRef idx="minor">
-            <a:schemeClr val="lt1"/>
-          </a:fontRef>
-        </p:style>
-        <p:txBody>
-          <a:bodyPr rtlCol="0" anchor="ctr"/>
-          <a:lstStyle/>
-          <a:p>
-            <a:pPr algn="ctr"/>
-            <a:endParaRPr lang="pt-BR"/>
-          </a:p>
-        </p:txBody>
-      </p:sp>
-      <p:sp>
-        <p:nvSpPr>
-          <p:cNvPr id="8" name="TextBox 7">
-            <a:extLst>
-              <a:ext uri="{FF2B5EF4-FFF2-40B4-BE49-F238E27FC236}">
-                <a16:creationId xmlns:a16="http://schemas.microsoft.com/office/drawing/2014/main" id="{5835DFFB-19BB-725A-5D36-3B0C854AFC2D}"/>
+                <a16:creationId xmlns:a16="http://schemas.microsoft.com/office/drawing/2014/main" id="{C8F7FABE-1D11-561A-D0F2-6081017F2E64}"/>
               </a:ext>
             </a:extLst>
           </p:cNvPr>
@@ -33509,8 +33291,8 @@
         </p:nvSpPr>
         <p:spPr>
           <a:xfrm>
-            <a:off x="5440680" y="5410729"/>
-            <a:ext cx="2925420" cy="261610"/>
+            <a:off x="4688586" y="5390585"/>
+            <a:ext cx="3678174" cy="307777"/>
           </a:xfrm>
           <a:prstGeom prst="rect">
             <a:avLst/>
@@ -33525,20 +33307,264 @@
           <a:p>
             <a:pPr algn="r"/>
             <a:r>
-              <a:rPr lang="pt-BR" sz="1050" dirty="0" err="1"/>
-              <a:t>Imagem:F.Andreussi</a:t>
-            </a:r>
-            <a:r>
-              <a:rPr lang="pt-BR" sz="1050" dirty="0"/>
-              <a:t>(BUW)</a:t>
-            </a:r>
+              <a:rPr lang="pt-BR" dirty="0"/>
+              <a:t>Referência: https://</a:t>
+            </a:r>
+            <a:r>
+              <a:rPr lang="pt-BR" dirty="0" err="1"/>
+              <a:t>learnopengl.com</a:t>
+            </a:r>
+            <a:r>
+              <a:rPr lang="pt-BR" dirty="0"/>
+              <a:t>/</a:t>
+            </a:r>
+          </a:p>
+        </p:txBody>
+      </p:sp>
+      <p:sp>
+        <p:nvSpPr>
+          <p:cNvPr id="8" name="TextBox 7">
+            <a:extLst>
+              <a:ext uri="{FF2B5EF4-FFF2-40B4-BE49-F238E27FC236}">
+                <a16:creationId xmlns:a16="http://schemas.microsoft.com/office/drawing/2014/main" id="{E77C6421-D843-A087-8796-311838610085}"/>
+              </a:ext>
+            </a:extLst>
+          </p:cNvPr>
+          <p:cNvSpPr txBox="1"/>
+          <p:nvPr/>
+        </p:nvSpPr>
+        <p:spPr>
+          <a:xfrm>
+            <a:off x="1152144" y="1640514"/>
+            <a:ext cx="6806261" cy="3293209"/>
+          </a:xfrm>
+          <a:prstGeom prst="rect">
+            <a:avLst/>
+          </a:prstGeom>
+          <a:solidFill>
+            <a:schemeClr val="tx1">
+              <a:lumMod val="85000"/>
+              <a:lumOff val="15000"/>
+            </a:schemeClr>
+          </a:solidFill>
+        </p:spPr>
+        <p:txBody>
+          <a:bodyPr wrap="square">
+            <a:spAutoFit/>
+          </a:bodyPr>
+          <a:lstStyle/>
+          <a:p>
+            <a:r>
+              <a:rPr lang="en-US" sz="1600" noProof="1">
+                <a:solidFill>
+                  <a:srgbClr val="8CBBAD"/>
+                </a:solidFill>
+                <a:effectLst/>
+              </a:rPr>
+              <a:t>#version numero_da_versão</a:t>
+            </a:r>
+          </a:p>
+          <a:p>
+            <a:r>
+              <a:rPr lang="en-US" sz="1600" b="1" noProof="1">
+                <a:solidFill>
+                  <a:srgbClr val="93C763"/>
+                </a:solidFill>
+                <a:effectLst/>
+              </a:rPr>
+              <a:t>in</a:t>
+            </a:r>
+            <a:r>
+              <a:rPr lang="en-US" sz="1600" noProof="1"/>
+              <a:t> </a:t>
+            </a:r>
+            <a:r>
+              <a:rPr lang="en-US" sz="1600" noProof="1">
+                <a:solidFill>
+                  <a:schemeClr val="bg1"/>
+                </a:solidFill>
+              </a:rPr>
+              <a:t>type nome_da_variável_de_entrada;</a:t>
+            </a:r>
+          </a:p>
+          <a:p>
+            <a:r>
+              <a:rPr lang="en-US" sz="1600" b="1" noProof="1">
+                <a:solidFill>
+                  <a:srgbClr val="93C763"/>
+                </a:solidFill>
+                <a:effectLst/>
+              </a:rPr>
+              <a:t>in</a:t>
+            </a:r>
+            <a:r>
+              <a:rPr lang="en-US" sz="1600" noProof="1"/>
+              <a:t> </a:t>
+            </a:r>
+            <a:r>
+              <a:rPr lang="en-US" sz="1600" noProof="1">
+                <a:solidFill>
+                  <a:schemeClr val="bg1"/>
+                </a:solidFill>
+              </a:rPr>
+              <a:t>type nome_da_variável_de_entrada;</a:t>
+            </a:r>
+          </a:p>
+          <a:p>
+            <a:r>
+              <a:rPr lang="en-US" sz="1600" b="1" noProof="1">
+                <a:solidFill>
+                  <a:srgbClr val="93C763"/>
+                </a:solidFill>
+                <a:effectLst/>
+              </a:rPr>
+              <a:t>out</a:t>
+            </a:r>
+            <a:r>
+              <a:rPr lang="en-US" sz="1600" noProof="1"/>
+              <a:t> </a:t>
+            </a:r>
+            <a:r>
+              <a:rPr lang="en-US" sz="1600" noProof="1">
+                <a:solidFill>
+                  <a:schemeClr val="bg1"/>
+                </a:solidFill>
+              </a:rPr>
+              <a:t>type nome_da_variável_de_saída;</a:t>
+            </a:r>
+          </a:p>
+          <a:p>
+            <a:endParaRPr lang="en-US" sz="1600" b="1" noProof="1">
+              <a:solidFill>
+                <a:srgbClr val="93C763"/>
+              </a:solidFill>
+              <a:effectLst/>
+            </a:endParaRPr>
+          </a:p>
+          <a:p>
+            <a:r>
+              <a:rPr lang="en-US" sz="1600" b="1" noProof="1">
+                <a:solidFill>
+                  <a:srgbClr val="93C763"/>
+                </a:solidFill>
+                <a:effectLst/>
+              </a:rPr>
+              <a:t>uniform</a:t>
+            </a:r>
+            <a:r>
+              <a:rPr lang="en-US" sz="1600" noProof="1"/>
+              <a:t> </a:t>
+            </a:r>
+            <a:r>
+              <a:rPr lang="en-US" sz="1600" noProof="1">
+                <a:solidFill>
+                  <a:schemeClr val="bg1"/>
+                </a:solidFill>
+              </a:rPr>
+              <a:t>type nome_do_uniform;</a:t>
+            </a:r>
+          </a:p>
+          <a:p>
+            <a:endParaRPr lang="en-US" sz="1600" b="1" noProof="1">
+              <a:solidFill>
+                <a:srgbClr val="93C763"/>
+              </a:solidFill>
+              <a:effectLst/>
+            </a:endParaRPr>
+          </a:p>
+          <a:p>
+            <a:r>
+              <a:rPr lang="en-US" sz="1600" b="1" noProof="1">
+                <a:solidFill>
+                  <a:srgbClr val="93C763"/>
+                </a:solidFill>
+                <a:effectLst/>
+              </a:rPr>
+              <a:t>void</a:t>
+            </a:r>
+            <a:r>
+              <a:rPr lang="en-US" sz="1600" noProof="1"/>
+              <a:t> </a:t>
+            </a:r>
+            <a:r>
+              <a:rPr lang="en-US" sz="1600" noProof="1">
+                <a:solidFill>
+                  <a:schemeClr val="bg1"/>
+                </a:solidFill>
+              </a:rPr>
+              <a:t>main() { </a:t>
+            </a:r>
+            <a:r>
+              <a:rPr lang="en-US" sz="1600" noProof="1">
+                <a:solidFill>
+                  <a:srgbClr val="818E96"/>
+                </a:solidFill>
+                <a:effectLst/>
+              </a:rPr>
+              <a:t>// processa as entrada(s) e faz algo gráfico</a:t>
+            </a:r>
+            <a:endParaRPr lang="en-US" sz="1600" noProof="1"/>
+          </a:p>
+          <a:p>
+            <a:r>
+              <a:rPr lang="en-US" sz="1600" noProof="1">
+                <a:solidFill>
+                  <a:schemeClr val="bg1"/>
+                </a:solidFill>
+              </a:rPr>
+              <a:t>    ... </a:t>
+            </a:r>
+          </a:p>
+          <a:p>
+            <a:r>
+              <a:rPr lang="en-US" sz="1600" noProof="1">
+                <a:solidFill>
+                  <a:srgbClr val="818E96"/>
+                </a:solidFill>
+                <a:effectLst/>
+              </a:rPr>
+              <a:t>    // pega as coisas processadas e coloca em variáveis de saída</a:t>
+            </a:r>
+            <a:endParaRPr lang="en-US" sz="1600" noProof="1"/>
+          </a:p>
+          <a:p>
+            <a:r>
+              <a:rPr lang="en-US" sz="1600" noProof="1">
+                <a:solidFill>
+                  <a:schemeClr val="bg1"/>
+                </a:solidFill>
+              </a:rPr>
+              <a:t>    out_variable_name = weird_stuff_we_processed;</a:t>
+            </a:r>
+          </a:p>
+          <a:p>
+            <a:r>
+              <a:rPr lang="en-US" sz="1600" noProof="1">
+                <a:solidFill>
+                  <a:schemeClr val="bg1"/>
+                </a:solidFill>
+              </a:rPr>
+              <a:t>} </a:t>
+            </a:r>
+            <a:br>
+              <a:rPr lang="en-US" sz="1600" noProof="1">
+                <a:solidFill>
+                  <a:schemeClr val="bg1"/>
+                </a:solidFill>
+              </a:rPr>
+            </a:br>
+            <a:endParaRPr lang="en-US" sz="1600" noProof="1">
+              <a:solidFill>
+                <a:schemeClr val="bg1"/>
+              </a:solidFill>
+            </a:endParaRPr>
           </a:p>
         </p:txBody>
       </p:sp>
     </p:spTree>
     <p:extLst>
       <p:ext uri="{BB962C8B-B14F-4D97-AF65-F5344CB8AC3E}">
-        <p14:creationId xmlns:p14="http://schemas.microsoft.com/office/powerpoint/2010/main" val="111819593"/>
+        <p14:creationId xmlns:p14="http://schemas.microsoft.com/office/powerpoint/2010/main" val="4108506128"/>
       </p:ext>
     </p:extLst>
   </p:cSld>
@@ -44263,15 +44289,7 @@
           <a:p>
             <a:r>
               <a:rPr lang="pt-BR" dirty="0"/>
-              <a:t>Introdução a </a:t>
-            </a:r>
-            <a:r>
-              <a:rPr lang="pt-BR" dirty="0" err="1"/>
-              <a:t>Shaders</a:t>
-            </a:r>
-            <a:r>
-              <a:rPr lang="pt-BR" dirty="0"/>
-              <a:t> (GLSL)</a:t>
+              <a:t>Tipos de Dados (GLSL)</a:t>
             </a:r>
           </a:p>
         </p:txBody>
@@ -44299,16 +44317,329 @@
           <a:p>
             <a:r>
               <a:rPr lang="pt-BR" dirty="0"/>
-              <a:t>Um típico </a:t>
+              <a:t>Os tipos básicos de variáveis são:</a:t>
+            </a:r>
+          </a:p>
+          <a:p>
+            <a:r>
+              <a:rPr lang="pt-BR" dirty="0" err="1">
+                <a:latin typeface="Courier New" panose="02070309020205020404" pitchFamily="49" charset="0"/>
+                <a:cs typeface="Courier New" panose="02070309020205020404" pitchFamily="49" charset="0"/>
+              </a:rPr>
+              <a:t>int</a:t>
+            </a:r>
+            <a:r>
+              <a:rPr lang="pt-BR" dirty="0">
+                <a:latin typeface="Courier New" panose="02070309020205020404" pitchFamily="49" charset="0"/>
+                <a:cs typeface="Courier New" panose="02070309020205020404" pitchFamily="49" charset="0"/>
+              </a:rPr>
+              <a:t>, </a:t>
+            </a:r>
+            <a:r>
+              <a:rPr lang="pt-BR" dirty="0" err="1">
+                <a:latin typeface="Courier New" panose="02070309020205020404" pitchFamily="49" charset="0"/>
+                <a:cs typeface="Courier New" panose="02070309020205020404" pitchFamily="49" charset="0"/>
+              </a:rPr>
+              <a:t>float</a:t>
+            </a:r>
+            <a:r>
+              <a:rPr lang="pt-BR" dirty="0">
+                <a:latin typeface="Courier New" panose="02070309020205020404" pitchFamily="49" charset="0"/>
+                <a:cs typeface="Courier New" panose="02070309020205020404" pitchFamily="49" charset="0"/>
+              </a:rPr>
+              <a:t>, </a:t>
+            </a:r>
+            <a:r>
+              <a:rPr lang="pt-BR" dirty="0" err="1">
+                <a:latin typeface="Courier New" panose="02070309020205020404" pitchFamily="49" charset="0"/>
+                <a:cs typeface="Courier New" panose="02070309020205020404" pitchFamily="49" charset="0"/>
+              </a:rPr>
+              <a:t>double</a:t>
+            </a:r>
+            <a:r>
+              <a:rPr lang="pt-BR" dirty="0">
+                <a:latin typeface="Courier New" panose="02070309020205020404" pitchFamily="49" charset="0"/>
+                <a:cs typeface="Courier New" panose="02070309020205020404" pitchFamily="49" charset="0"/>
+              </a:rPr>
+              <a:t>, </a:t>
+            </a:r>
+            <a:r>
+              <a:rPr lang="pt-BR" dirty="0" err="1">
+                <a:latin typeface="Courier New" panose="02070309020205020404" pitchFamily="49" charset="0"/>
+                <a:cs typeface="Courier New" panose="02070309020205020404" pitchFamily="49" charset="0"/>
+              </a:rPr>
+              <a:t>uint</a:t>
+            </a:r>
+            <a:r>
+              <a:rPr lang="pt-BR" dirty="0">
+                <a:latin typeface="Courier New" panose="02070309020205020404" pitchFamily="49" charset="0"/>
+                <a:cs typeface="Courier New" panose="02070309020205020404" pitchFamily="49" charset="0"/>
+              </a:rPr>
+              <a:t> e </a:t>
+            </a:r>
+            <a:r>
+              <a:rPr lang="pt-BR" dirty="0" err="1">
+                <a:latin typeface="Courier New" panose="02070309020205020404" pitchFamily="49" charset="0"/>
+                <a:cs typeface="Courier New" panose="02070309020205020404" pitchFamily="49" charset="0"/>
+              </a:rPr>
+              <a:t>bool</a:t>
+            </a:r>
+            <a:endParaRPr lang="pt-BR" dirty="0">
+              <a:latin typeface="Courier New" panose="02070309020205020404" pitchFamily="49" charset="0"/>
+              <a:cs typeface="Courier New" panose="02070309020205020404" pitchFamily="49" charset="0"/>
+            </a:endParaRPr>
+          </a:p>
+          <a:p>
+            <a:endParaRPr lang="pt-BR" dirty="0"/>
+          </a:p>
+          <a:p>
+            <a:r>
+              <a:rPr lang="pt-BR" dirty="0"/>
+              <a:t>Vetores podem ter 2, 3 ou 4 </a:t>
             </a:r>
             <a:r>
               <a:rPr lang="pt-BR" dirty="0" err="1"/>
-              <a:t>Shader</a:t>
+              <a:t>compomentes</a:t>
             </a:r>
             <a:r>
               <a:rPr lang="pt-BR" dirty="0"/>
-              <a:t> tem a seguinte estrutura:</a:t>
-            </a:r>
+              <a:t>:</a:t>
+            </a:r>
+          </a:p>
+          <a:p>
+            <a:r>
+              <a:rPr lang="pt-BR" dirty="0" err="1">
+                <a:latin typeface="Courier New" panose="02070309020205020404" pitchFamily="49" charset="0"/>
+                <a:cs typeface="Courier New" panose="02070309020205020404" pitchFamily="49" charset="0"/>
+              </a:rPr>
+              <a:t>vecn</a:t>
+            </a:r>
+            <a:r>
+              <a:rPr lang="pt-BR" dirty="0">
+                <a:latin typeface="Courier New" panose="02070309020205020404" pitchFamily="49" charset="0"/>
+                <a:cs typeface="Courier New" panose="02070309020205020404" pitchFamily="49" charset="0"/>
+              </a:rPr>
+              <a:t>: o vetor padrão com </a:t>
+            </a:r>
+            <a:r>
+              <a:rPr lang="pt-BR" dirty="0" err="1">
+                <a:latin typeface="Courier New" panose="02070309020205020404" pitchFamily="49" charset="0"/>
+                <a:cs typeface="Courier New" panose="02070309020205020404" pitchFamily="49" charset="0"/>
+              </a:rPr>
+              <a:t>n</a:t>
+            </a:r>
+            <a:r>
+              <a:rPr lang="pt-BR" dirty="0">
+                <a:latin typeface="Courier New" panose="02070309020205020404" pitchFamily="49" charset="0"/>
+                <a:cs typeface="Courier New" panose="02070309020205020404" pitchFamily="49" charset="0"/>
+              </a:rPr>
+              <a:t> </a:t>
+            </a:r>
+            <a:r>
+              <a:rPr lang="pt-BR" dirty="0" err="1">
+                <a:latin typeface="Courier New" panose="02070309020205020404" pitchFamily="49" charset="0"/>
+                <a:cs typeface="Courier New" panose="02070309020205020404" pitchFamily="49" charset="0"/>
+              </a:rPr>
+              <a:t>floats</a:t>
+            </a:r>
+            <a:r>
+              <a:rPr lang="pt-BR" dirty="0">
+                <a:latin typeface="Courier New" panose="02070309020205020404" pitchFamily="49" charset="0"/>
+                <a:cs typeface="Courier New" panose="02070309020205020404" pitchFamily="49" charset="0"/>
+              </a:rPr>
+              <a:t>.</a:t>
+            </a:r>
+          </a:p>
+          <a:p>
+            <a:r>
+              <a:rPr lang="pt-BR" dirty="0" err="1">
+                <a:latin typeface="Courier New" panose="02070309020205020404" pitchFamily="49" charset="0"/>
+                <a:cs typeface="Courier New" panose="02070309020205020404" pitchFamily="49" charset="0"/>
+              </a:rPr>
+              <a:t>bvecn</a:t>
+            </a:r>
+            <a:r>
+              <a:rPr lang="pt-BR" dirty="0">
+                <a:latin typeface="Courier New" panose="02070309020205020404" pitchFamily="49" charset="0"/>
+                <a:cs typeface="Courier New" panose="02070309020205020404" pitchFamily="49" charset="0"/>
+              </a:rPr>
+              <a:t>: um vetor com </a:t>
+            </a:r>
+            <a:r>
+              <a:rPr lang="pt-BR" dirty="0" err="1">
+                <a:latin typeface="Courier New" panose="02070309020205020404" pitchFamily="49" charset="0"/>
+                <a:cs typeface="Courier New" panose="02070309020205020404" pitchFamily="49" charset="0"/>
+              </a:rPr>
+              <a:t>n</a:t>
+            </a:r>
+            <a:r>
+              <a:rPr lang="pt-BR" dirty="0">
+                <a:latin typeface="Courier New" panose="02070309020205020404" pitchFamily="49" charset="0"/>
+                <a:cs typeface="Courier New" panose="02070309020205020404" pitchFamily="49" charset="0"/>
+              </a:rPr>
+              <a:t> booleanos.</a:t>
+            </a:r>
+          </a:p>
+          <a:p>
+            <a:r>
+              <a:rPr lang="pt-BR" dirty="0" err="1">
+                <a:latin typeface="Courier New" panose="02070309020205020404" pitchFamily="49" charset="0"/>
+                <a:cs typeface="Courier New" panose="02070309020205020404" pitchFamily="49" charset="0"/>
+              </a:rPr>
+              <a:t>ivecn</a:t>
+            </a:r>
+            <a:r>
+              <a:rPr lang="pt-BR" dirty="0">
+                <a:latin typeface="Courier New" panose="02070309020205020404" pitchFamily="49" charset="0"/>
+                <a:cs typeface="Courier New" panose="02070309020205020404" pitchFamily="49" charset="0"/>
+              </a:rPr>
+              <a:t>: um vetor com </a:t>
+            </a:r>
+            <a:r>
+              <a:rPr lang="pt-BR" dirty="0" err="1">
+                <a:latin typeface="Courier New" panose="02070309020205020404" pitchFamily="49" charset="0"/>
+                <a:cs typeface="Courier New" panose="02070309020205020404" pitchFamily="49" charset="0"/>
+              </a:rPr>
+              <a:t>n</a:t>
+            </a:r>
+            <a:r>
+              <a:rPr lang="pt-BR" dirty="0">
+                <a:latin typeface="Courier New" panose="02070309020205020404" pitchFamily="49" charset="0"/>
+                <a:cs typeface="Courier New" panose="02070309020205020404" pitchFamily="49" charset="0"/>
+              </a:rPr>
+              <a:t> inteiros.</a:t>
+            </a:r>
+          </a:p>
+          <a:p>
+            <a:r>
+              <a:rPr lang="pt-BR" dirty="0" err="1">
+                <a:latin typeface="Courier New" panose="02070309020205020404" pitchFamily="49" charset="0"/>
+                <a:cs typeface="Courier New" panose="02070309020205020404" pitchFamily="49" charset="0"/>
+              </a:rPr>
+              <a:t>uvecn</a:t>
+            </a:r>
+            <a:r>
+              <a:rPr lang="pt-BR" dirty="0">
+                <a:latin typeface="Courier New" panose="02070309020205020404" pitchFamily="49" charset="0"/>
+                <a:cs typeface="Courier New" panose="02070309020205020404" pitchFamily="49" charset="0"/>
+              </a:rPr>
+              <a:t>: um vetor com </a:t>
+            </a:r>
+            <a:r>
+              <a:rPr lang="pt-BR" dirty="0" err="1">
+                <a:latin typeface="Courier New" panose="02070309020205020404" pitchFamily="49" charset="0"/>
+                <a:cs typeface="Courier New" panose="02070309020205020404" pitchFamily="49" charset="0"/>
+              </a:rPr>
+              <a:t>n</a:t>
+            </a:r>
+            <a:r>
+              <a:rPr lang="pt-BR" dirty="0">
+                <a:latin typeface="Courier New" panose="02070309020205020404" pitchFamily="49" charset="0"/>
+                <a:cs typeface="Courier New" panose="02070309020205020404" pitchFamily="49" charset="0"/>
+              </a:rPr>
+              <a:t> inteiros sem sinal.</a:t>
+            </a:r>
+          </a:p>
+          <a:p>
+            <a:r>
+              <a:rPr lang="pt-BR" dirty="0" err="1">
+                <a:latin typeface="Courier New" panose="02070309020205020404" pitchFamily="49" charset="0"/>
+                <a:cs typeface="Courier New" panose="02070309020205020404" pitchFamily="49" charset="0"/>
+              </a:rPr>
+              <a:t>dvecn</a:t>
+            </a:r>
+            <a:r>
+              <a:rPr lang="pt-BR" dirty="0">
+                <a:latin typeface="Courier New" panose="02070309020205020404" pitchFamily="49" charset="0"/>
+                <a:cs typeface="Courier New" panose="02070309020205020404" pitchFamily="49" charset="0"/>
+              </a:rPr>
+              <a:t>: um vetor com </a:t>
+            </a:r>
+            <a:r>
+              <a:rPr lang="pt-BR" dirty="0" err="1">
+                <a:latin typeface="Courier New" panose="02070309020205020404" pitchFamily="49" charset="0"/>
+                <a:cs typeface="Courier New" panose="02070309020205020404" pitchFamily="49" charset="0"/>
+              </a:rPr>
+              <a:t>n</a:t>
+            </a:r>
+            <a:r>
+              <a:rPr lang="pt-BR" dirty="0">
+                <a:latin typeface="Courier New" panose="02070309020205020404" pitchFamily="49" charset="0"/>
+                <a:cs typeface="Courier New" panose="02070309020205020404" pitchFamily="49" charset="0"/>
+              </a:rPr>
+              <a:t> </a:t>
+            </a:r>
+            <a:r>
+              <a:rPr lang="pt-BR" dirty="0" err="1">
+                <a:latin typeface="Courier New" panose="02070309020205020404" pitchFamily="49" charset="0"/>
+                <a:cs typeface="Courier New" panose="02070309020205020404" pitchFamily="49" charset="0"/>
+              </a:rPr>
+              <a:t>doubles</a:t>
+            </a:r>
+            <a:r>
+              <a:rPr lang="pt-BR" dirty="0">
+                <a:latin typeface="Courier New" panose="02070309020205020404" pitchFamily="49" charset="0"/>
+                <a:cs typeface="Courier New" panose="02070309020205020404" pitchFamily="49" charset="0"/>
+              </a:rPr>
+              <a:t>.</a:t>
+            </a:r>
+          </a:p>
+          <a:p>
+            <a:endParaRPr lang="pt-BR" dirty="0">
+              <a:latin typeface="Courier New" panose="02070309020205020404" pitchFamily="49" charset="0"/>
+              <a:cs typeface="Courier New" panose="02070309020205020404" pitchFamily="49" charset="0"/>
+            </a:endParaRPr>
+          </a:p>
+          <a:p>
+            <a:r>
+              <a:rPr lang="pt-BR" dirty="0"/>
+              <a:t>Você consegue acessar os valores dos vetores com as extensões: .</a:t>
+            </a:r>
+            <a:r>
+              <a:rPr lang="pt-BR" dirty="0" err="1"/>
+              <a:t>x</a:t>
+            </a:r>
+            <a:r>
+              <a:rPr lang="pt-BR" dirty="0"/>
+              <a:t> .</a:t>
+            </a:r>
+            <a:r>
+              <a:rPr lang="pt-BR" dirty="0" err="1"/>
+              <a:t>y</a:t>
+            </a:r>
+            <a:r>
+              <a:rPr lang="pt-BR" dirty="0"/>
+              <a:t> .</a:t>
+            </a:r>
+            <a:r>
+              <a:rPr lang="pt-BR" dirty="0" err="1"/>
+              <a:t>z</a:t>
+            </a:r>
+            <a:r>
+              <a:rPr lang="pt-BR" dirty="0"/>
+              <a:t> .</a:t>
+            </a:r>
+            <a:r>
+              <a:rPr lang="pt-BR" dirty="0" err="1"/>
+              <a:t>w</a:t>
+            </a:r>
+            <a:r>
+              <a:rPr lang="pt-BR" dirty="0"/>
+              <a:t>, ou também com </a:t>
+            </a:r>
+            <a:r>
+              <a:rPr lang="pt-BR" dirty="0" err="1"/>
+              <a:t>rgba</a:t>
+            </a:r>
+            <a:r>
+              <a:rPr lang="pt-BR" dirty="0"/>
+              <a:t>, ou </a:t>
+            </a:r>
+            <a:r>
+              <a:rPr lang="pt-BR" dirty="0" err="1"/>
+              <a:t>stqp</a:t>
+            </a:r>
+            <a:endParaRPr lang="pt-BR" dirty="0"/>
           </a:p>
         </p:txBody>
       </p:sp>
@@ -44394,250 +44725,10 @@
           </a:p>
         </p:txBody>
       </p:sp>
-      <p:sp>
-        <p:nvSpPr>
-          <p:cNvPr id="8" name="TextBox 7">
-            <a:extLst>
-              <a:ext uri="{FF2B5EF4-FFF2-40B4-BE49-F238E27FC236}">
-                <a16:creationId xmlns:a16="http://schemas.microsoft.com/office/drawing/2014/main" id="{E77C6421-D843-A087-8796-311838610085}"/>
-              </a:ext>
-            </a:extLst>
-          </p:cNvPr>
-          <p:cNvSpPr txBox="1"/>
-          <p:nvPr/>
-        </p:nvSpPr>
-        <p:spPr>
-          <a:xfrm>
-            <a:off x="1152144" y="1640514"/>
-            <a:ext cx="6806261" cy="3293209"/>
-          </a:xfrm>
-          <a:prstGeom prst="rect">
-            <a:avLst/>
-          </a:prstGeom>
-          <a:solidFill>
-            <a:schemeClr val="tx1">
-              <a:lumMod val="85000"/>
-              <a:lumOff val="15000"/>
-            </a:schemeClr>
-          </a:solidFill>
-        </p:spPr>
-        <p:txBody>
-          <a:bodyPr wrap="square">
-            <a:spAutoFit/>
-          </a:bodyPr>
-          <a:lstStyle/>
-          <a:p>
-            <a:r>
-              <a:rPr lang="en-US" sz="1600" noProof="1">
-                <a:solidFill>
-                  <a:srgbClr val="8CBBAD"/>
-                </a:solidFill>
-                <a:effectLst/>
-              </a:rPr>
-              <a:t>#version numero_da_versão</a:t>
-            </a:r>
-          </a:p>
-          <a:p>
-            <a:r>
-              <a:rPr lang="en-US" sz="1600" b="1" noProof="1">
-                <a:solidFill>
-                  <a:srgbClr val="93C763"/>
-                </a:solidFill>
-                <a:effectLst/>
-              </a:rPr>
-              <a:t>in</a:t>
-            </a:r>
-            <a:r>
-              <a:rPr lang="en-US" sz="1600" noProof="1"/>
-              <a:t> </a:t>
-            </a:r>
-            <a:r>
-              <a:rPr lang="en-US" sz="1600" noProof="1">
-                <a:solidFill>
-                  <a:schemeClr val="bg1"/>
-                </a:solidFill>
-              </a:rPr>
-              <a:t>type nome_da_variável_de_entrada;</a:t>
-            </a:r>
-          </a:p>
-          <a:p>
-            <a:r>
-              <a:rPr lang="en-US" sz="1600" b="1" noProof="1">
-                <a:solidFill>
-                  <a:srgbClr val="93C763"/>
-                </a:solidFill>
-                <a:effectLst/>
-              </a:rPr>
-              <a:t>in</a:t>
-            </a:r>
-            <a:r>
-              <a:rPr lang="en-US" sz="1600" noProof="1"/>
-              <a:t> </a:t>
-            </a:r>
-            <a:r>
-              <a:rPr lang="en-US" sz="1600" noProof="1">
-                <a:solidFill>
-                  <a:schemeClr val="bg1"/>
-                </a:solidFill>
-              </a:rPr>
-              <a:t>type nome_da_variável_de_entrada;</a:t>
-            </a:r>
-          </a:p>
-          <a:p>
-            <a:r>
-              <a:rPr lang="en-US" sz="1600" b="1" noProof="1">
-                <a:solidFill>
-                  <a:srgbClr val="93C763"/>
-                </a:solidFill>
-                <a:effectLst/>
-              </a:rPr>
-              <a:t>out</a:t>
-            </a:r>
-            <a:r>
-              <a:rPr lang="en-US" sz="1600" noProof="1"/>
-              <a:t> </a:t>
-            </a:r>
-            <a:r>
-              <a:rPr lang="en-US" sz="1600" noProof="1">
-                <a:solidFill>
-                  <a:schemeClr val="bg1"/>
-                </a:solidFill>
-              </a:rPr>
-              <a:t>type nome_da_variável_de_saída;</a:t>
-            </a:r>
-          </a:p>
-          <a:p>
-            <a:endParaRPr lang="en-US" sz="1600" b="1" noProof="1">
-              <a:solidFill>
-                <a:srgbClr val="93C763"/>
-              </a:solidFill>
-              <a:effectLst/>
-            </a:endParaRPr>
-          </a:p>
-          <a:p>
-            <a:r>
-              <a:rPr lang="en-US" sz="1600" b="1" noProof="1">
-                <a:solidFill>
-                  <a:srgbClr val="93C763"/>
-                </a:solidFill>
-                <a:effectLst/>
-              </a:rPr>
-              <a:t>uniform</a:t>
-            </a:r>
-            <a:r>
-              <a:rPr lang="en-US" sz="1600" noProof="1"/>
-              <a:t> </a:t>
-            </a:r>
-            <a:r>
-              <a:rPr lang="en-US" sz="1600" noProof="1">
-                <a:solidFill>
-                  <a:schemeClr val="bg1"/>
-                </a:solidFill>
-              </a:rPr>
-              <a:t>type nome_do_uniform;</a:t>
-            </a:r>
-          </a:p>
-          <a:p>
-            <a:endParaRPr lang="en-US" sz="1600" b="1" noProof="1">
-              <a:solidFill>
-                <a:srgbClr val="93C763"/>
-              </a:solidFill>
-              <a:effectLst/>
-            </a:endParaRPr>
-          </a:p>
-          <a:p>
-            <a:r>
-              <a:rPr lang="en-US" sz="1600" b="1" noProof="1">
-                <a:solidFill>
-                  <a:srgbClr val="93C763"/>
-                </a:solidFill>
-                <a:effectLst/>
-              </a:rPr>
-              <a:t>void</a:t>
-            </a:r>
-            <a:r>
-              <a:rPr lang="en-US" sz="1600" noProof="1"/>
-              <a:t> </a:t>
-            </a:r>
-            <a:r>
-              <a:rPr lang="en-US" sz="1600" noProof="1">
-                <a:solidFill>
-                  <a:schemeClr val="bg1"/>
-                </a:solidFill>
-              </a:rPr>
-              <a:t>main() { </a:t>
-            </a:r>
-            <a:r>
-              <a:rPr lang="en-US" sz="1600" noProof="1">
-                <a:solidFill>
-                  <a:srgbClr val="818E96"/>
-                </a:solidFill>
-                <a:effectLst/>
-              </a:rPr>
-              <a:t>// processa as entrada(s) e faz algo gráfico</a:t>
-            </a:r>
-            <a:endParaRPr lang="en-US" sz="1600" noProof="1"/>
-          </a:p>
-          <a:p>
-            <a:r>
-              <a:rPr lang="en-US" sz="1600" noProof="1">
-                <a:solidFill>
-                  <a:schemeClr val="bg1"/>
-                </a:solidFill>
-              </a:rPr>
-              <a:t>    ... </a:t>
-            </a:r>
-          </a:p>
-          <a:p>
-            <a:r>
-              <a:rPr lang="en-US" sz="1600" noProof="1">
-                <a:solidFill>
-                  <a:srgbClr val="818E96"/>
-                </a:solidFill>
-                <a:effectLst/>
-              </a:rPr>
-              <a:t>    // pega as coisas processadas e coloca em variáveis de saída</a:t>
-            </a:r>
-            <a:endParaRPr lang="en-US" sz="1600" noProof="1"/>
-          </a:p>
-          <a:p>
-            <a:r>
-              <a:rPr lang="en-US" sz="1600" noProof="1">
-                <a:solidFill>
-                  <a:schemeClr val="bg1"/>
-                </a:solidFill>
-              </a:rPr>
-              <a:t>    out_variable_name = weird_stuff_we_processed;</a:t>
-            </a:r>
-          </a:p>
-          <a:p>
-            <a:r>
-              <a:rPr lang="en-US" sz="1600" noProof="1">
-                <a:solidFill>
-                  <a:schemeClr val="bg1"/>
-                </a:solidFill>
-              </a:rPr>
-              <a:t>} </a:t>
-            </a:r>
-            <a:br>
-              <a:rPr lang="en-US" sz="1600" noProof="1">
-                <a:solidFill>
-                  <a:schemeClr val="bg1"/>
-                </a:solidFill>
-              </a:rPr>
-            </a:br>
-            <a:endParaRPr lang="en-US" sz="1600" noProof="1">
-              <a:solidFill>
-                <a:schemeClr val="bg1"/>
-              </a:solidFill>
-            </a:endParaRPr>
-          </a:p>
-        </p:txBody>
-      </p:sp>
     </p:spTree>
     <p:extLst>
       <p:ext uri="{BB962C8B-B14F-4D97-AF65-F5344CB8AC3E}">
-        <p14:creationId xmlns:p14="http://schemas.microsoft.com/office/powerpoint/2010/main" val="4108506128"/>
+        <p14:creationId xmlns:p14="http://schemas.microsoft.com/office/powerpoint/2010/main" val="2653450524"/>
       </p:ext>
     </p:extLst>
   </p:cSld>
@@ -45577,495 +45668,6 @@
           <a:p>
             <a:r>
               <a:rPr lang="pt-BR" dirty="0"/>
-              <a:t>Tipos de Dados (GLSL)</a:t>
-            </a:r>
-          </a:p>
-        </p:txBody>
-      </p:sp>
-      <p:sp>
-        <p:nvSpPr>
-          <p:cNvPr id="3" name="Text Placeholder 2">
-            <a:extLst>
-              <a:ext uri="{FF2B5EF4-FFF2-40B4-BE49-F238E27FC236}">
-                <a16:creationId xmlns:a16="http://schemas.microsoft.com/office/drawing/2014/main" id="{CA87281D-B426-44AA-02B3-C6A850468CCD}"/>
-              </a:ext>
-            </a:extLst>
-          </p:cNvPr>
-          <p:cNvSpPr>
-            <a:spLocks noGrp="1"/>
-          </p:cNvSpPr>
-          <p:nvPr>
-            <p:ph type="body" idx="1"/>
-          </p:nvPr>
-        </p:nvSpPr>
-        <p:spPr/>
-        <p:txBody>
-          <a:bodyPr/>
-          <a:lstStyle/>
-          <a:p>
-            <a:r>
-              <a:rPr lang="pt-BR" dirty="0"/>
-              <a:t>Os tipos básicos de variáveis são:</a:t>
-            </a:r>
-          </a:p>
-          <a:p>
-            <a:r>
-              <a:rPr lang="pt-BR" dirty="0" err="1">
-                <a:latin typeface="Courier New" panose="02070309020205020404" pitchFamily="49" charset="0"/>
-                <a:cs typeface="Courier New" panose="02070309020205020404" pitchFamily="49" charset="0"/>
-              </a:rPr>
-              <a:t>int</a:t>
-            </a:r>
-            <a:r>
-              <a:rPr lang="pt-BR" dirty="0">
-                <a:latin typeface="Courier New" panose="02070309020205020404" pitchFamily="49" charset="0"/>
-                <a:cs typeface="Courier New" panose="02070309020205020404" pitchFamily="49" charset="0"/>
-              </a:rPr>
-              <a:t>, </a:t>
-            </a:r>
-            <a:r>
-              <a:rPr lang="pt-BR" dirty="0" err="1">
-                <a:latin typeface="Courier New" panose="02070309020205020404" pitchFamily="49" charset="0"/>
-                <a:cs typeface="Courier New" panose="02070309020205020404" pitchFamily="49" charset="0"/>
-              </a:rPr>
-              <a:t>float</a:t>
-            </a:r>
-            <a:r>
-              <a:rPr lang="pt-BR" dirty="0">
-                <a:latin typeface="Courier New" panose="02070309020205020404" pitchFamily="49" charset="0"/>
-                <a:cs typeface="Courier New" panose="02070309020205020404" pitchFamily="49" charset="0"/>
-              </a:rPr>
-              <a:t>, </a:t>
-            </a:r>
-            <a:r>
-              <a:rPr lang="pt-BR" dirty="0" err="1">
-                <a:latin typeface="Courier New" panose="02070309020205020404" pitchFamily="49" charset="0"/>
-                <a:cs typeface="Courier New" panose="02070309020205020404" pitchFamily="49" charset="0"/>
-              </a:rPr>
-              <a:t>double</a:t>
-            </a:r>
-            <a:r>
-              <a:rPr lang="pt-BR" dirty="0">
-                <a:latin typeface="Courier New" panose="02070309020205020404" pitchFamily="49" charset="0"/>
-                <a:cs typeface="Courier New" panose="02070309020205020404" pitchFamily="49" charset="0"/>
-              </a:rPr>
-              <a:t>, </a:t>
-            </a:r>
-            <a:r>
-              <a:rPr lang="pt-BR" dirty="0" err="1">
-                <a:latin typeface="Courier New" panose="02070309020205020404" pitchFamily="49" charset="0"/>
-                <a:cs typeface="Courier New" panose="02070309020205020404" pitchFamily="49" charset="0"/>
-              </a:rPr>
-              <a:t>uint</a:t>
-            </a:r>
-            <a:r>
-              <a:rPr lang="pt-BR" dirty="0">
-                <a:latin typeface="Courier New" panose="02070309020205020404" pitchFamily="49" charset="0"/>
-                <a:cs typeface="Courier New" panose="02070309020205020404" pitchFamily="49" charset="0"/>
-              </a:rPr>
-              <a:t> e </a:t>
-            </a:r>
-            <a:r>
-              <a:rPr lang="pt-BR" dirty="0" err="1">
-                <a:latin typeface="Courier New" panose="02070309020205020404" pitchFamily="49" charset="0"/>
-                <a:cs typeface="Courier New" panose="02070309020205020404" pitchFamily="49" charset="0"/>
-              </a:rPr>
-              <a:t>bool</a:t>
-            </a:r>
-            <a:endParaRPr lang="pt-BR" dirty="0">
-              <a:latin typeface="Courier New" panose="02070309020205020404" pitchFamily="49" charset="0"/>
-              <a:cs typeface="Courier New" panose="02070309020205020404" pitchFamily="49" charset="0"/>
-            </a:endParaRPr>
-          </a:p>
-          <a:p>
-            <a:endParaRPr lang="pt-BR" dirty="0"/>
-          </a:p>
-          <a:p>
-            <a:r>
-              <a:rPr lang="pt-BR" dirty="0"/>
-              <a:t>Vetores podem ter 2, 3 ou 4 </a:t>
-            </a:r>
-            <a:r>
-              <a:rPr lang="pt-BR" dirty="0" err="1"/>
-              <a:t>compomentes</a:t>
-            </a:r>
-            <a:r>
-              <a:rPr lang="pt-BR" dirty="0"/>
-              <a:t>:</a:t>
-            </a:r>
-          </a:p>
-          <a:p>
-            <a:r>
-              <a:rPr lang="pt-BR" dirty="0" err="1">
-                <a:latin typeface="Courier New" panose="02070309020205020404" pitchFamily="49" charset="0"/>
-                <a:cs typeface="Courier New" panose="02070309020205020404" pitchFamily="49" charset="0"/>
-              </a:rPr>
-              <a:t>vecn</a:t>
-            </a:r>
-            <a:r>
-              <a:rPr lang="pt-BR" dirty="0">
-                <a:latin typeface="Courier New" panose="02070309020205020404" pitchFamily="49" charset="0"/>
-                <a:cs typeface="Courier New" panose="02070309020205020404" pitchFamily="49" charset="0"/>
-              </a:rPr>
-              <a:t>: o vetor padrão com </a:t>
-            </a:r>
-            <a:r>
-              <a:rPr lang="pt-BR" dirty="0" err="1">
-                <a:latin typeface="Courier New" panose="02070309020205020404" pitchFamily="49" charset="0"/>
-                <a:cs typeface="Courier New" panose="02070309020205020404" pitchFamily="49" charset="0"/>
-              </a:rPr>
-              <a:t>n</a:t>
-            </a:r>
-            <a:r>
-              <a:rPr lang="pt-BR" dirty="0">
-                <a:latin typeface="Courier New" panose="02070309020205020404" pitchFamily="49" charset="0"/>
-                <a:cs typeface="Courier New" panose="02070309020205020404" pitchFamily="49" charset="0"/>
-              </a:rPr>
-              <a:t> </a:t>
-            </a:r>
-            <a:r>
-              <a:rPr lang="pt-BR" dirty="0" err="1">
-                <a:latin typeface="Courier New" panose="02070309020205020404" pitchFamily="49" charset="0"/>
-                <a:cs typeface="Courier New" panose="02070309020205020404" pitchFamily="49" charset="0"/>
-              </a:rPr>
-              <a:t>floats</a:t>
-            </a:r>
-            <a:r>
-              <a:rPr lang="pt-BR" dirty="0">
-                <a:latin typeface="Courier New" panose="02070309020205020404" pitchFamily="49" charset="0"/>
-                <a:cs typeface="Courier New" panose="02070309020205020404" pitchFamily="49" charset="0"/>
-              </a:rPr>
-              <a:t>.</a:t>
-            </a:r>
-          </a:p>
-          <a:p>
-            <a:r>
-              <a:rPr lang="pt-BR" dirty="0" err="1">
-                <a:latin typeface="Courier New" panose="02070309020205020404" pitchFamily="49" charset="0"/>
-                <a:cs typeface="Courier New" panose="02070309020205020404" pitchFamily="49" charset="0"/>
-              </a:rPr>
-              <a:t>bvecn</a:t>
-            </a:r>
-            <a:r>
-              <a:rPr lang="pt-BR" dirty="0">
-                <a:latin typeface="Courier New" panose="02070309020205020404" pitchFamily="49" charset="0"/>
-                <a:cs typeface="Courier New" panose="02070309020205020404" pitchFamily="49" charset="0"/>
-              </a:rPr>
-              <a:t>: um vetor com </a:t>
-            </a:r>
-            <a:r>
-              <a:rPr lang="pt-BR" dirty="0" err="1">
-                <a:latin typeface="Courier New" panose="02070309020205020404" pitchFamily="49" charset="0"/>
-                <a:cs typeface="Courier New" panose="02070309020205020404" pitchFamily="49" charset="0"/>
-              </a:rPr>
-              <a:t>n</a:t>
-            </a:r>
-            <a:r>
-              <a:rPr lang="pt-BR" dirty="0">
-                <a:latin typeface="Courier New" panose="02070309020205020404" pitchFamily="49" charset="0"/>
-                <a:cs typeface="Courier New" panose="02070309020205020404" pitchFamily="49" charset="0"/>
-              </a:rPr>
-              <a:t> booleanos.</a:t>
-            </a:r>
-          </a:p>
-          <a:p>
-            <a:r>
-              <a:rPr lang="pt-BR" dirty="0" err="1">
-                <a:latin typeface="Courier New" panose="02070309020205020404" pitchFamily="49" charset="0"/>
-                <a:cs typeface="Courier New" panose="02070309020205020404" pitchFamily="49" charset="0"/>
-              </a:rPr>
-              <a:t>ivecn</a:t>
-            </a:r>
-            <a:r>
-              <a:rPr lang="pt-BR" dirty="0">
-                <a:latin typeface="Courier New" panose="02070309020205020404" pitchFamily="49" charset="0"/>
-                <a:cs typeface="Courier New" panose="02070309020205020404" pitchFamily="49" charset="0"/>
-              </a:rPr>
-              <a:t>: um vetor com </a:t>
-            </a:r>
-            <a:r>
-              <a:rPr lang="pt-BR" dirty="0" err="1">
-                <a:latin typeface="Courier New" panose="02070309020205020404" pitchFamily="49" charset="0"/>
-                <a:cs typeface="Courier New" panose="02070309020205020404" pitchFamily="49" charset="0"/>
-              </a:rPr>
-              <a:t>n</a:t>
-            </a:r>
-            <a:r>
-              <a:rPr lang="pt-BR" dirty="0">
-                <a:latin typeface="Courier New" panose="02070309020205020404" pitchFamily="49" charset="0"/>
-                <a:cs typeface="Courier New" panose="02070309020205020404" pitchFamily="49" charset="0"/>
-              </a:rPr>
-              <a:t> inteiros.</a:t>
-            </a:r>
-          </a:p>
-          <a:p>
-            <a:r>
-              <a:rPr lang="pt-BR" dirty="0" err="1">
-                <a:latin typeface="Courier New" panose="02070309020205020404" pitchFamily="49" charset="0"/>
-                <a:cs typeface="Courier New" panose="02070309020205020404" pitchFamily="49" charset="0"/>
-              </a:rPr>
-              <a:t>uvecn</a:t>
-            </a:r>
-            <a:r>
-              <a:rPr lang="pt-BR" dirty="0">
-                <a:latin typeface="Courier New" panose="02070309020205020404" pitchFamily="49" charset="0"/>
-                <a:cs typeface="Courier New" panose="02070309020205020404" pitchFamily="49" charset="0"/>
-              </a:rPr>
-              <a:t>: um vetor com </a:t>
-            </a:r>
-            <a:r>
-              <a:rPr lang="pt-BR" dirty="0" err="1">
-                <a:latin typeface="Courier New" panose="02070309020205020404" pitchFamily="49" charset="0"/>
-                <a:cs typeface="Courier New" panose="02070309020205020404" pitchFamily="49" charset="0"/>
-              </a:rPr>
-              <a:t>n</a:t>
-            </a:r>
-            <a:r>
-              <a:rPr lang="pt-BR" dirty="0">
-                <a:latin typeface="Courier New" panose="02070309020205020404" pitchFamily="49" charset="0"/>
-                <a:cs typeface="Courier New" panose="02070309020205020404" pitchFamily="49" charset="0"/>
-              </a:rPr>
-              <a:t> inteiros sem sinal.</a:t>
-            </a:r>
-          </a:p>
-          <a:p>
-            <a:r>
-              <a:rPr lang="pt-BR" dirty="0" err="1">
-                <a:latin typeface="Courier New" panose="02070309020205020404" pitchFamily="49" charset="0"/>
-                <a:cs typeface="Courier New" panose="02070309020205020404" pitchFamily="49" charset="0"/>
-              </a:rPr>
-              <a:t>dvecn</a:t>
-            </a:r>
-            <a:r>
-              <a:rPr lang="pt-BR" dirty="0">
-                <a:latin typeface="Courier New" panose="02070309020205020404" pitchFamily="49" charset="0"/>
-                <a:cs typeface="Courier New" panose="02070309020205020404" pitchFamily="49" charset="0"/>
-              </a:rPr>
-              <a:t>: um vetor com </a:t>
-            </a:r>
-            <a:r>
-              <a:rPr lang="pt-BR" dirty="0" err="1">
-                <a:latin typeface="Courier New" panose="02070309020205020404" pitchFamily="49" charset="0"/>
-                <a:cs typeface="Courier New" panose="02070309020205020404" pitchFamily="49" charset="0"/>
-              </a:rPr>
-              <a:t>n</a:t>
-            </a:r>
-            <a:r>
-              <a:rPr lang="pt-BR" dirty="0">
-                <a:latin typeface="Courier New" panose="02070309020205020404" pitchFamily="49" charset="0"/>
-                <a:cs typeface="Courier New" panose="02070309020205020404" pitchFamily="49" charset="0"/>
-              </a:rPr>
-              <a:t> </a:t>
-            </a:r>
-            <a:r>
-              <a:rPr lang="pt-BR" dirty="0" err="1">
-                <a:latin typeface="Courier New" panose="02070309020205020404" pitchFamily="49" charset="0"/>
-                <a:cs typeface="Courier New" panose="02070309020205020404" pitchFamily="49" charset="0"/>
-              </a:rPr>
-              <a:t>doubles</a:t>
-            </a:r>
-            <a:r>
-              <a:rPr lang="pt-BR" dirty="0">
-                <a:latin typeface="Courier New" panose="02070309020205020404" pitchFamily="49" charset="0"/>
-                <a:cs typeface="Courier New" panose="02070309020205020404" pitchFamily="49" charset="0"/>
-              </a:rPr>
-              <a:t>.</a:t>
-            </a:r>
-          </a:p>
-          <a:p>
-            <a:endParaRPr lang="pt-BR" dirty="0">
-              <a:latin typeface="Courier New" panose="02070309020205020404" pitchFamily="49" charset="0"/>
-              <a:cs typeface="Courier New" panose="02070309020205020404" pitchFamily="49" charset="0"/>
-            </a:endParaRPr>
-          </a:p>
-          <a:p>
-            <a:r>
-              <a:rPr lang="pt-BR" dirty="0"/>
-              <a:t>Você consegue acessar os valores dos vetores com as extensões: .</a:t>
-            </a:r>
-            <a:r>
-              <a:rPr lang="pt-BR" dirty="0" err="1"/>
-              <a:t>x</a:t>
-            </a:r>
-            <a:r>
-              <a:rPr lang="pt-BR" dirty="0"/>
-              <a:t> .</a:t>
-            </a:r>
-            <a:r>
-              <a:rPr lang="pt-BR" dirty="0" err="1"/>
-              <a:t>y</a:t>
-            </a:r>
-            <a:r>
-              <a:rPr lang="pt-BR" dirty="0"/>
-              <a:t> .</a:t>
-            </a:r>
-            <a:r>
-              <a:rPr lang="pt-BR" dirty="0" err="1"/>
-              <a:t>z</a:t>
-            </a:r>
-            <a:r>
-              <a:rPr lang="pt-BR" dirty="0"/>
-              <a:t> .</a:t>
-            </a:r>
-            <a:r>
-              <a:rPr lang="pt-BR" dirty="0" err="1"/>
-              <a:t>w</a:t>
-            </a:r>
-            <a:r>
-              <a:rPr lang="pt-BR" dirty="0"/>
-              <a:t>, ou também com </a:t>
-            </a:r>
-            <a:r>
-              <a:rPr lang="pt-BR" dirty="0" err="1"/>
-              <a:t>rgba</a:t>
-            </a:r>
-            <a:r>
-              <a:rPr lang="pt-BR" dirty="0"/>
-              <a:t>, ou </a:t>
-            </a:r>
-            <a:r>
-              <a:rPr lang="pt-BR" dirty="0" err="1"/>
-              <a:t>stqp</a:t>
-            </a:r>
-            <a:endParaRPr lang="pt-BR" dirty="0"/>
-          </a:p>
-        </p:txBody>
-      </p:sp>
-      <p:sp>
-        <p:nvSpPr>
-          <p:cNvPr id="4" name="Slide Number Placeholder 3">
-            <a:extLst>
-              <a:ext uri="{FF2B5EF4-FFF2-40B4-BE49-F238E27FC236}">
-                <a16:creationId xmlns:a16="http://schemas.microsoft.com/office/drawing/2014/main" id="{15664F33-34E4-DE21-4DAD-247E3FB608EA}"/>
-              </a:ext>
-            </a:extLst>
-          </p:cNvPr>
-          <p:cNvSpPr>
-            <a:spLocks noGrp="1"/>
-          </p:cNvSpPr>
-          <p:nvPr>
-            <p:ph type="sldNum" idx="12"/>
-          </p:nvPr>
-        </p:nvSpPr>
-        <p:spPr/>
-        <p:txBody>
-          <a:bodyPr/>
-          <a:lstStyle/>
-          <a:p>
-            <a:pPr marL="0" lvl="0" indent="0" algn="ctr" rtl="0">
-              <a:spcBef>
-                <a:spcPts val="0"/>
-              </a:spcBef>
-              <a:spcAft>
-                <a:spcPts val="0"/>
-              </a:spcAft>
-              <a:buNone/>
-            </a:pPr>
-            <a:fld id="{00000000-1234-1234-1234-123412341234}" type="slidenum">
-              <a:rPr lang="pt-BR" smtClean="0"/>
-              <a:t>6</a:t>
-            </a:fld>
-            <a:endParaRPr lang="pt-BR"/>
-          </a:p>
-        </p:txBody>
-      </p:sp>
-      <p:sp>
-        <p:nvSpPr>
-          <p:cNvPr id="6" name="TextBox 5">
-            <a:extLst>
-              <a:ext uri="{FF2B5EF4-FFF2-40B4-BE49-F238E27FC236}">
-                <a16:creationId xmlns:a16="http://schemas.microsoft.com/office/drawing/2014/main" id="{C8F7FABE-1D11-561A-D0F2-6081017F2E64}"/>
-              </a:ext>
-            </a:extLst>
-          </p:cNvPr>
-          <p:cNvSpPr txBox="1"/>
-          <p:nvPr/>
-        </p:nvSpPr>
-        <p:spPr>
-          <a:xfrm>
-            <a:off x="4688586" y="5390585"/>
-            <a:ext cx="3678174" cy="307777"/>
-          </a:xfrm>
-          <a:prstGeom prst="rect">
-            <a:avLst/>
-          </a:prstGeom>
-          <a:noFill/>
-        </p:spPr>
-        <p:txBody>
-          <a:bodyPr wrap="square">
-            <a:spAutoFit/>
-          </a:bodyPr>
-          <a:lstStyle/>
-          <a:p>
-            <a:pPr algn="r"/>
-            <a:r>
-              <a:rPr lang="pt-BR" dirty="0"/>
-              <a:t>Referência: https://</a:t>
-            </a:r>
-            <a:r>
-              <a:rPr lang="pt-BR" dirty="0" err="1"/>
-              <a:t>learnopengl.com</a:t>
-            </a:r>
-            <a:r>
-              <a:rPr lang="pt-BR" dirty="0"/>
-              <a:t>/</a:t>
-            </a:r>
-          </a:p>
-        </p:txBody>
-      </p:sp>
-    </p:spTree>
-    <p:extLst>
-      <p:ext uri="{BB962C8B-B14F-4D97-AF65-F5344CB8AC3E}">
-        <p14:creationId xmlns:p14="http://schemas.microsoft.com/office/powerpoint/2010/main" val="2653450524"/>
-      </p:ext>
-    </p:extLst>
-  </p:cSld>
-  <p:clrMapOvr>
-    <a:masterClrMapping/>
-  </p:clrMapOvr>
-</p:sld>
-</file>
-
-<file path=ppt/slides/slide7.xml><?xml version="1.0" encoding="utf-8"?>
-<p:sld xmlns:a="http://schemas.openxmlformats.org/drawingml/2006/main" xmlns:r="http://schemas.openxmlformats.org/officeDocument/2006/relationships" xmlns:p="http://schemas.openxmlformats.org/presentationml/2006/main">
-  <p:cSld>
-    <p:spTree>
-      <p:nvGrpSpPr>
-        <p:cNvPr id="1" name=""/>
-        <p:cNvGrpSpPr/>
-        <p:nvPr/>
-      </p:nvGrpSpPr>
-      <p:grpSpPr>
-        <a:xfrm>
-          <a:off x="0" y="0"/>
-          <a:ext cx="0" cy="0"/>
-          <a:chOff x="0" y="0"/>
-          <a:chExt cx="0" cy="0"/>
-        </a:xfrm>
-      </p:grpSpPr>
-      <p:sp>
-        <p:nvSpPr>
-          <p:cNvPr id="2" name="Title 1">
-            <a:extLst>
-              <a:ext uri="{FF2B5EF4-FFF2-40B4-BE49-F238E27FC236}">
-                <a16:creationId xmlns:a16="http://schemas.microsoft.com/office/drawing/2014/main" id="{67C24757-2FBA-FD0F-D446-F2C8A83C8483}"/>
-              </a:ext>
-            </a:extLst>
-          </p:cNvPr>
-          <p:cNvSpPr>
-            <a:spLocks noGrp="1"/>
-          </p:cNvSpPr>
-          <p:nvPr>
-            <p:ph type="title"/>
-          </p:nvPr>
-        </p:nvSpPr>
-        <p:spPr/>
-        <p:txBody>
-          <a:bodyPr/>
-          <a:lstStyle/>
-          <a:p>
-            <a:r>
-              <a:rPr lang="pt-BR" dirty="0"/>
               <a:t>Exemplo com Vetores</a:t>
             </a:r>
           </a:p>
@@ -46162,7 +45764,7 @@
             </a:pPr>
             <a:fld id="{00000000-1234-1234-1234-123412341234}" type="slidenum">
               <a:rPr lang="pt-BR" smtClean="0"/>
-              <a:t>7</a:t>
+              <a:t>6</a:t>
             </a:fld>
             <a:endParaRPr lang="pt-BR"/>
           </a:p>
@@ -46617,7 +46219,7 @@
 </p:sld>
 </file>
 
-<file path=ppt/slides/slide8.xml><?xml version="1.0" encoding="utf-8"?>
+<file path=ppt/slides/slide7.xml><?xml version="1.0" encoding="utf-8"?>
 <p:sld xmlns:a="http://schemas.openxmlformats.org/drawingml/2006/main" xmlns:r="http://schemas.openxmlformats.org/officeDocument/2006/relationships" xmlns:p="http://schemas.openxmlformats.org/presentationml/2006/main">
   <p:cSld>
     <p:spTree>
@@ -46735,7 +46337,7 @@
             </a:pPr>
             <a:fld id="{00000000-1234-1234-1234-123412341234}" type="slidenum">
               <a:rPr lang="pt-BR" smtClean="0"/>
-              <a:t>8</a:t>
+              <a:t>7</a:t>
             </a:fld>
             <a:endParaRPr lang="pt-BR"/>
           </a:p>
@@ -47172,7 +46774,7 @@
 </p:sld>
 </file>
 
-<file path=ppt/slides/slide9.xml><?xml version="1.0" encoding="utf-8"?>
+<file path=ppt/slides/slide8.xml><?xml version="1.0" encoding="utf-8"?>
 <p:sld xmlns:a="http://schemas.openxmlformats.org/drawingml/2006/main" xmlns:r="http://schemas.openxmlformats.org/officeDocument/2006/relationships" xmlns:p="http://schemas.openxmlformats.org/presentationml/2006/main">
   <p:cSld>
     <p:spTree>
@@ -47283,7 +46885,7 @@
             </a:pPr>
             <a:fld id="{00000000-1234-1234-1234-123412341234}" type="slidenum">
               <a:rPr lang="pt-BR" smtClean="0"/>
-              <a:t>9</a:t>
+              <a:t>8</a:t>
             </a:fld>
             <a:endParaRPr lang="pt-BR"/>
           </a:p>
@@ -47793,6 +47395,373 @@
       </p:par>
     </p:tnLst>
   </p:timing>
+</p:sld>
+</file>
+
+<file path=ppt/slides/slide9.xml><?xml version="1.0" encoding="utf-8"?>
+<p:sld xmlns:a="http://schemas.openxmlformats.org/drawingml/2006/main" xmlns:r="http://schemas.openxmlformats.org/officeDocument/2006/relationships" xmlns:p="http://schemas.openxmlformats.org/presentationml/2006/main">
+  <p:cSld>
+    <p:spTree>
+      <p:nvGrpSpPr>
+        <p:cNvPr id="1" name=""/>
+        <p:cNvGrpSpPr/>
+        <p:nvPr/>
+      </p:nvGrpSpPr>
+      <p:grpSpPr>
+        <a:xfrm>
+          <a:off x="0" y="0"/>
+          <a:ext cx="0" cy="0"/>
+          <a:chOff x="0" y="0"/>
+          <a:chExt cx="0" cy="0"/>
+        </a:xfrm>
+      </p:grpSpPr>
+      <p:sp>
+        <p:nvSpPr>
+          <p:cNvPr id="2" name="Title 1">
+            <a:extLst>
+              <a:ext uri="{FF2B5EF4-FFF2-40B4-BE49-F238E27FC236}">
+                <a16:creationId xmlns:a16="http://schemas.microsoft.com/office/drawing/2014/main" id="{4CA6113F-3910-0668-C031-6645CEEC9DDA}"/>
+              </a:ext>
+            </a:extLst>
+          </p:cNvPr>
+          <p:cNvSpPr>
+            <a:spLocks noGrp="1"/>
+          </p:cNvSpPr>
+          <p:nvPr>
+            <p:ph type="title"/>
+          </p:nvPr>
+        </p:nvSpPr>
+        <p:spPr/>
+        <p:txBody>
+          <a:bodyPr/>
+          <a:lstStyle/>
+          <a:p>
+            <a:r>
+              <a:rPr lang="pt-BR" dirty="0"/>
+              <a:t>In e </a:t>
+            </a:r>
+            <a:r>
+              <a:rPr lang="pt-BR" dirty="0" err="1"/>
+              <a:t>Outs</a:t>
+            </a:r>
+            <a:endParaRPr lang="pt-BR" dirty="0"/>
+          </a:p>
+        </p:txBody>
+      </p:sp>
+      <p:sp>
+        <p:nvSpPr>
+          <p:cNvPr id="3" name="Text Placeholder 2">
+            <a:extLst>
+              <a:ext uri="{FF2B5EF4-FFF2-40B4-BE49-F238E27FC236}">
+                <a16:creationId xmlns:a16="http://schemas.microsoft.com/office/drawing/2014/main" id="{5CDCE2A7-8A77-25D3-E0B2-4CB4719BC85A}"/>
+              </a:ext>
+            </a:extLst>
+          </p:cNvPr>
+          <p:cNvSpPr>
+            <a:spLocks noGrp="1"/>
+          </p:cNvSpPr>
+          <p:nvPr>
+            <p:ph type="body" idx="1"/>
+          </p:nvPr>
+        </p:nvSpPr>
+        <p:spPr>
+          <a:xfrm>
+            <a:off x="390548" y="838985"/>
+            <a:ext cx="8579716" cy="4496159"/>
+          </a:xfrm>
+        </p:spPr>
+        <p:txBody>
+          <a:bodyPr/>
+          <a:lstStyle/>
+          <a:p>
+            <a:r>
+              <a:rPr lang="pt-BR" dirty="0"/>
+              <a:t>Podemos especificar se as variáveis são para a entrada de dados, ou saída de dados. Isso é importante para pode exemplo passar o valor de um </a:t>
+            </a:r>
+            <a:r>
+              <a:rPr lang="pt-BR" dirty="0" err="1"/>
+              <a:t>shader</a:t>
+            </a:r>
+            <a:r>
+              <a:rPr lang="pt-BR" dirty="0"/>
+              <a:t> no pipeline para outro.</a:t>
+            </a:r>
+          </a:p>
+          <a:p>
+            <a:r>
+              <a:rPr lang="pt-BR" dirty="0"/>
+              <a:t>Pode ser usado para receber os dados dos vértices (</a:t>
+            </a:r>
+            <a:r>
+              <a:rPr lang="pt-BR" dirty="0" err="1"/>
+              <a:t>vertex</a:t>
+            </a:r>
+            <a:r>
+              <a:rPr lang="pt-BR" dirty="0"/>
+              <a:t> </a:t>
+            </a:r>
+            <a:r>
+              <a:rPr lang="pt-BR" dirty="0" err="1"/>
+              <a:t>shader</a:t>
+            </a:r>
+            <a:r>
+              <a:rPr lang="pt-BR" dirty="0"/>
+              <a:t>) ou para definir o valor da cor final do pixel (fragmente </a:t>
+            </a:r>
+            <a:r>
+              <a:rPr lang="pt-BR" dirty="0" err="1"/>
+              <a:t>shader</a:t>
+            </a:r>
+            <a:r>
+              <a:rPr lang="pt-BR" dirty="0"/>
+              <a:t>)</a:t>
+            </a:r>
+          </a:p>
+        </p:txBody>
+      </p:sp>
+      <p:sp>
+        <p:nvSpPr>
+          <p:cNvPr id="4" name="Slide Number Placeholder 3">
+            <a:extLst>
+              <a:ext uri="{FF2B5EF4-FFF2-40B4-BE49-F238E27FC236}">
+                <a16:creationId xmlns:a16="http://schemas.microsoft.com/office/drawing/2014/main" id="{B7C57D2B-BAD0-9632-E3E6-4587F91F63C7}"/>
+              </a:ext>
+            </a:extLst>
+          </p:cNvPr>
+          <p:cNvSpPr>
+            <a:spLocks noGrp="1"/>
+          </p:cNvSpPr>
+          <p:nvPr>
+            <p:ph type="sldNum" idx="12"/>
+          </p:nvPr>
+        </p:nvSpPr>
+        <p:spPr/>
+        <p:txBody>
+          <a:bodyPr/>
+          <a:lstStyle/>
+          <a:p>
+            <a:pPr marL="0" lvl="0" indent="0" algn="ctr" rtl="0">
+              <a:spcBef>
+                <a:spcPts val="0"/>
+              </a:spcBef>
+              <a:spcAft>
+                <a:spcPts val="0"/>
+              </a:spcAft>
+              <a:buNone/>
+            </a:pPr>
+            <a:fld id="{00000000-1234-1234-1234-123412341234}" type="slidenum">
+              <a:rPr lang="pt-BR" smtClean="0"/>
+              <a:t>9</a:t>
+            </a:fld>
+            <a:endParaRPr lang="pt-BR"/>
+          </a:p>
+        </p:txBody>
+      </p:sp>
+      <p:sp>
+        <p:nvSpPr>
+          <p:cNvPr id="5" name="TextBox 4">
+            <a:extLst>
+              <a:ext uri="{FF2B5EF4-FFF2-40B4-BE49-F238E27FC236}">
+                <a16:creationId xmlns:a16="http://schemas.microsoft.com/office/drawing/2014/main" id="{08EDC8D5-52E6-A8D9-6A49-49A715BA0F91}"/>
+              </a:ext>
+            </a:extLst>
+          </p:cNvPr>
+          <p:cNvSpPr txBox="1"/>
+          <p:nvPr/>
+        </p:nvSpPr>
+        <p:spPr>
+          <a:xfrm>
+            <a:off x="1694890" y="3231914"/>
+            <a:ext cx="5971032" cy="1938992"/>
+          </a:xfrm>
+          <a:prstGeom prst="rect">
+            <a:avLst/>
+          </a:prstGeom>
+          <a:solidFill>
+            <a:schemeClr val="tx1">
+              <a:lumMod val="85000"/>
+              <a:lumOff val="15000"/>
+            </a:schemeClr>
+          </a:solidFill>
+        </p:spPr>
+        <p:txBody>
+          <a:bodyPr wrap="square">
+            <a:spAutoFit/>
+          </a:bodyPr>
+          <a:lstStyle/>
+          <a:p>
+            <a:r>
+              <a:rPr lang="en-US" sz="2000" b="0" i="0" noProof="1">
+                <a:solidFill>
+                  <a:srgbClr val="8CBBAD"/>
+                </a:solidFill>
+                <a:effectLst/>
+                <a:latin typeface="Courier New" panose="02070309020205020404" pitchFamily="49" charset="0"/>
+              </a:rPr>
+              <a:t>#version 330 core</a:t>
+            </a:r>
+            <a:endParaRPr lang="en-US" sz="2000" noProof="1">
+              <a:solidFill>
+                <a:srgbClr val="E0E2E4"/>
+              </a:solidFill>
+              <a:latin typeface="Courier New" panose="02070309020205020404" pitchFamily="49" charset="0"/>
+            </a:endParaRPr>
+          </a:p>
+          <a:p>
+            <a:r>
+              <a:rPr lang="en-US" sz="2000" b="1" i="0" noProof="1">
+                <a:solidFill>
+                  <a:srgbClr val="93C763"/>
+                </a:solidFill>
+                <a:effectLst/>
+                <a:latin typeface="Courier New" panose="02070309020205020404" pitchFamily="49" charset="0"/>
+              </a:rPr>
+              <a:t>in</a:t>
+            </a:r>
+            <a:r>
+              <a:rPr lang="en-US" sz="2000" b="0" i="0" noProof="1">
+                <a:solidFill>
+                  <a:srgbClr val="E0E2E4"/>
+                </a:solidFill>
+                <a:effectLst/>
+                <a:latin typeface="Courier New" panose="02070309020205020404" pitchFamily="49" charset="0"/>
+              </a:rPr>
+              <a:t> </a:t>
+            </a:r>
+            <a:r>
+              <a:rPr lang="en-US" sz="2000" b="0" i="0" noProof="1">
+                <a:solidFill>
+                  <a:srgbClr val="8CBBAD"/>
+                </a:solidFill>
+                <a:effectLst/>
+                <a:latin typeface="Courier New" panose="02070309020205020404" pitchFamily="49" charset="0"/>
+              </a:rPr>
+              <a:t>vec4</a:t>
+            </a:r>
+            <a:r>
+              <a:rPr lang="en-US" sz="2000" b="0" i="0" noProof="1">
+                <a:solidFill>
+                  <a:srgbClr val="E0E2E4"/>
+                </a:solidFill>
+                <a:effectLst/>
+                <a:latin typeface="Courier New" panose="02070309020205020404" pitchFamily="49" charset="0"/>
+              </a:rPr>
+              <a:t> vertexColor;</a:t>
+            </a:r>
+          </a:p>
+          <a:p>
+            <a:r>
+              <a:rPr lang="en-US" sz="2000" b="1" i="0" noProof="1">
+                <a:solidFill>
+                  <a:srgbClr val="93C763"/>
+                </a:solidFill>
+                <a:effectLst/>
+                <a:latin typeface="Courier New" panose="02070309020205020404" pitchFamily="49" charset="0"/>
+              </a:rPr>
+              <a:t>out</a:t>
+            </a:r>
+            <a:r>
+              <a:rPr lang="en-US" sz="2000" b="0" i="0" noProof="1">
+                <a:solidFill>
+                  <a:srgbClr val="E0E2E4"/>
+                </a:solidFill>
+                <a:effectLst/>
+                <a:latin typeface="Courier New" panose="02070309020205020404" pitchFamily="49" charset="0"/>
+              </a:rPr>
+              <a:t> </a:t>
+            </a:r>
+            <a:r>
+              <a:rPr lang="en-US" sz="2000" b="0" i="0" noProof="1">
+                <a:solidFill>
+                  <a:srgbClr val="8CBBAD"/>
+                </a:solidFill>
+                <a:effectLst/>
+                <a:latin typeface="Courier New" panose="02070309020205020404" pitchFamily="49" charset="0"/>
+              </a:rPr>
+              <a:t>vec4</a:t>
+            </a:r>
+            <a:r>
+              <a:rPr lang="en-US" sz="2000" b="0" i="0" noProof="1">
+                <a:solidFill>
+                  <a:srgbClr val="E0E2E4"/>
+                </a:solidFill>
+                <a:effectLst/>
+                <a:latin typeface="Courier New" panose="02070309020205020404" pitchFamily="49" charset="0"/>
+              </a:rPr>
+              <a:t> FragColor;</a:t>
+            </a:r>
+          </a:p>
+          <a:p>
+            <a:r>
+              <a:rPr lang="en-US" sz="2000" b="1" i="0" noProof="1">
+                <a:solidFill>
+                  <a:srgbClr val="93C763"/>
+                </a:solidFill>
+                <a:effectLst/>
+                <a:latin typeface="Courier New" panose="02070309020205020404" pitchFamily="49" charset="0"/>
+              </a:rPr>
+              <a:t>void</a:t>
+            </a:r>
+            <a:r>
+              <a:rPr lang="en-US" sz="2000" b="0" i="0" noProof="1">
+                <a:solidFill>
+                  <a:srgbClr val="E0E2E4"/>
+                </a:solidFill>
+                <a:effectLst/>
+                <a:latin typeface="Courier New" panose="02070309020205020404" pitchFamily="49" charset="0"/>
+              </a:rPr>
+              <a:t> main() { </a:t>
+            </a:r>
+          </a:p>
+          <a:p>
+            <a:r>
+              <a:rPr lang="en-US" sz="2000" noProof="1">
+                <a:solidFill>
+                  <a:srgbClr val="E0E2E4"/>
+                </a:solidFill>
+                <a:latin typeface="Courier New" panose="02070309020205020404" pitchFamily="49" charset="0"/>
+              </a:rPr>
+              <a:t>    </a:t>
+            </a:r>
+            <a:r>
+              <a:rPr lang="en-US" sz="2000" b="0" i="0" noProof="1">
+                <a:solidFill>
+                  <a:srgbClr val="E0E2E4"/>
+                </a:solidFill>
+                <a:effectLst/>
+                <a:latin typeface="Courier New" panose="02070309020205020404" pitchFamily="49" charset="0"/>
+              </a:rPr>
+              <a:t>FragColor = vertexColor;</a:t>
+            </a:r>
+          </a:p>
+          <a:p>
+            <a:r>
+              <a:rPr lang="en-US" sz="2000" noProof="1">
+                <a:solidFill>
+                  <a:srgbClr val="E0E2E4"/>
+                </a:solidFill>
+                <a:latin typeface="Courier New" panose="02070309020205020404" pitchFamily="49" charset="0"/>
+              </a:rPr>
+              <a:t>}</a:t>
+            </a:r>
+            <a:endParaRPr lang="en-US" sz="1600" noProof="1">
+              <a:solidFill>
+                <a:schemeClr val="bg1"/>
+              </a:solidFill>
+            </a:endParaRPr>
+          </a:p>
+        </p:txBody>
+      </p:sp>
+    </p:spTree>
+    <p:extLst>
+      <p:ext uri="{BB962C8B-B14F-4D97-AF65-F5344CB8AC3E}">
+        <p14:creationId xmlns:p14="http://schemas.microsoft.com/office/powerpoint/2010/main" val="4207393658"/>
+      </p:ext>
+    </p:extLst>
+  </p:cSld>
+  <p:clrMapOvr>
+    <a:masterClrMapping/>
+  </p:clrMapOvr>
 </p:sld>
 </file>
 
